--- a/DS_2014_2015/DS_05/images/Figures.pptx
+++ b/DS_2014_2015/DS_05/images/Figures.pptx
@@ -6,6 +6,7 @@
   </p:sldMasterIdLst>
   <p:sldIdLst>
     <p:sldId id="256" r:id="rId2"/>
+    <p:sldId id="257" r:id="rId3"/>
   </p:sldIdLst>
   <p:sldSz cx="9144000" cy="6858000" type="screen4x3"/>
   <p:notesSz cx="6858000" cy="9144000"/>
@@ -3821,8 +3822,8 @@
           </a:fontRef>
         </p:style>
       </p:cxnSp>
-      <mc:AlternateContent xmlns:mc="http://schemas.openxmlformats.org/markup-compatibility/2006">
-        <mc:Choice xmlns:a14="http://schemas.microsoft.com/office/drawing/2010/main" Requires="a14">
+      <mc:AlternateContent xmlns:mc="http://schemas.openxmlformats.org/markup-compatibility/2006" xmlns:a14="http://schemas.microsoft.com/office/drawing/2010/main">
+        <mc:Choice Requires="a14">
           <p:sp>
             <p:nvSpPr>
               <p:cNvPr id="54" name="Rectangle 53"/>
@@ -3908,7 +3909,7 @@
             </p:txBody>
           </p:sp>
         </mc:Choice>
-        <mc:Fallback>
+        <mc:Fallback xmlns="">
           <p:sp>
             <p:nvSpPr>
               <p:cNvPr id="54" name="Rectangle 53"/>
@@ -4647,8 +4648,8 @@
           </a:fontRef>
         </p:style>
       </p:cxnSp>
-      <mc:AlternateContent xmlns:mc="http://schemas.openxmlformats.org/markup-compatibility/2006">
-        <mc:Choice xmlns:a14="http://schemas.microsoft.com/office/drawing/2010/main" Requires="a14">
+      <mc:AlternateContent xmlns:mc="http://schemas.openxmlformats.org/markup-compatibility/2006" xmlns:a14="http://schemas.microsoft.com/office/drawing/2010/main">
+        <mc:Choice Requires="a14">
           <p:sp>
             <p:nvSpPr>
               <p:cNvPr id="77" name="Rectangle 76"/>
@@ -4734,7 +4735,7 @@
             </p:txBody>
           </p:sp>
         </mc:Choice>
-        <mc:Fallback>
+        <mc:Fallback xmlns="">
           <p:sp>
             <p:nvSpPr>
               <p:cNvPr id="77" name="Rectangle 76"/>
@@ -4773,8 +4774,8 @@
           </p:sp>
         </mc:Fallback>
       </mc:AlternateContent>
-      <mc:AlternateContent xmlns:mc="http://schemas.openxmlformats.org/markup-compatibility/2006">
-        <mc:Choice xmlns:a14="http://schemas.microsoft.com/office/drawing/2010/main" Requires="a14">
+      <mc:AlternateContent xmlns:mc="http://schemas.openxmlformats.org/markup-compatibility/2006" xmlns:a14="http://schemas.microsoft.com/office/drawing/2010/main">
+        <mc:Choice Requires="a14">
           <p:sp>
             <p:nvSpPr>
               <p:cNvPr id="80" name="Rectangle 79"/>
@@ -4796,6 +4797,7 @@
               </a:bodyPr>
               <a:lstStyle/>
               <a:p>
+                <a:pPr/>
                 <a14:m>
                   <m:oMathPara xmlns:m="http://schemas.openxmlformats.org/officeDocument/2006/math">
                     <m:oMathParaPr>
@@ -4835,7 +4837,7 @@
             </p:txBody>
           </p:sp>
         </mc:Choice>
-        <mc:Fallback>
+        <mc:Fallback xmlns="">
           <p:sp>
             <p:nvSpPr>
               <p:cNvPr id="80" name="Rectangle 79"/>
@@ -4874,8 +4876,8 @@
           </p:sp>
         </mc:Fallback>
       </mc:AlternateContent>
-      <mc:AlternateContent xmlns:mc="http://schemas.openxmlformats.org/markup-compatibility/2006">
-        <mc:Choice xmlns:a14="http://schemas.microsoft.com/office/drawing/2010/main" Requires="a14">
+      <mc:AlternateContent xmlns:mc="http://schemas.openxmlformats.org/markup-compatibility/2006" xmlns:a14="http://schemas.microsoft.com/office/drawing/2010/main">
+        <mc:Choice Requires="a14">
           <p:sp>
             <p:nvSpPr>
               <p:cNvPr id="81" name="Rectangle 80"/>
@@ -4897,6 +4899,7 @@
               </a:bodyPr>
               <a:lstStyle/>
               <a:p>
+                <a:pPr/>
                 <a14:m>
                   <m:oMathPara xmlns:m="http://schemas.openxmlformats.org/officeDocument/2006/math">
                     <m:oMathParaPr>
@@ -4936,7 +4939,7 @@
             </p:txBody>
           </p:sp>
         </mc:Choice>
-        <mc:Fallback>
+        <mc:Fallback xmlns="">
           <p:sp>
             <p:nvSpPr>
               <p:cNvPr id="81" name="Rectangle 80"/>
@@ -4975,8 +4978,8 @@
           </p:sp>
         </mc:Fallback>
       </mc:AlternateContent>
-      <mc:AlternateContent xmlns:mc="http://schemas.openxmlformats.org/markup-compatibility/2006">
-        <mc:Choice xmlns:a14="http://schemas.microsoft.com/office/drawing/2010/main" Requires="a14">
+      <mc:AlternateContent xmlns:mc="http://schemas.openxmlformats.org/markup-compatibility/2006" xmlns:a14="http://schemas.microsoft.com/office/drawing/2010/main">
+        <mc:Choice Requires="a14">
           <p:sp>
             <p:nvSpPr>
               <p:cNvPr id="82" name="Rectangle 81"/>
@@ -4998,6 +5001,7 @@
               </a:bodyPr>
               <a:lstStyle/>
               <a:p>
+                <a:pPr/>
                 <a14:m>
                   <m:oMathPara xmlns:m="http://schemas.openxmlformats.org/officeDocument/2006/math">
                     <m:oMathParaPr>
@@ -5037,7 +5041,7 @@
             </p:txBody>
           </p:sp>
         </mc:Choice>
-        <mc:Fallback>
+        <mc:Fallback xmlns="">
           <p:sp>
             <p:nvSpPr>
               <p:cNvPr id="82" name="Rectangle 81"/>
@@ -5076,8 +5080,8 @@
           </p:sp>
         </mc:Fallback>
       </mc:AlternateContent>
-      <mc:AlternateContent xmlns:mc="http://schemas.openxmlformats.org/markup-compatibility/2006">
-        <mc:Choice xmlns:a14="http://schemas.microsoft.com/office/drawing/2010/main" Requires="a14">
+      <mc:AlternateContent xmlns:mc="http://schemas.openxmlformats.org/markup-compatibility/2006" xmlns:a14="http://schemas.microsoft.com/office/drawing/2010/main">
+        <mc:Choice Requires="a14">
           <p:sp>
             <p:nvSpPr>
               <p:cNvPr id="83" name="Rectangle 82"/>
@@ -5099,6 +5103,7 @@
               </a:bodyPr>
               <a:lstStyle/>
               <a:p>
+                <a:pPr/>
                 <a14:m>
                   <m:oMathPara xmlns:m="http://schemas.openxmlformats.org/officeDocument/2006/math">
                     <m:oMathParaPr>
@@ -5138,7 +5143,7 @@
             </p:txBody>
           </p:sp>
         </mc:Choice>
-        <mc:Fallback>
+        <mc:Fallback xmlns="">
           <p:sp>
             <p:nvSpPr>
               <p:cNvPr id="83" name="Rectangle 82"/>
@@ -5251,8 +5256,8 @@
           </a:fontRef>
         </p:style>
       </p:cxnSp>
-      <mc:AlternateContent xmlns:mc="http://schemas.openxmlformats.org/markup-compatibility/2006">
-        <mc:Choice xmlns:a14="http://schemas.microsoft.com/office/drawing/2010/main" Requires="a14">
+      <mc:AlternateContent xmlns:mc="http://schemas.openxmlformats.org/markup-compatibility/2006" xmlns:a14="http://schemas.microsoft.com/office/drawing/2010/main">
+        <mc:Choice Requires="a14">
           <p:sp>
             <p:nvSpPr>
               <p:cNvPr id="89" name="Rectangle 88"/>
@@ -5274,6 +5279,7 @@
               </a:bodyPr>
               <a:lstStyle/>
               <a:p>
+                <a:pPr/>
                 <a14:m>
                   <m:oMathPara xmlns:m="http://schemas.openxmlformats.org/officeDocument/2006/math">
                     <m:oMathParaPr>
@@ -5331,7 +5337,7 @@
             </p:txBody>
           </p:sp>
         </mc:Choice>
-        <mc:Fallback>
+        <mc:Fallback xmlns="">
           <p:sp>
             <p:nvSpPr>
               <p:cNvPr id="89" name="Rectangle 88"/>
@@ -5370,8 +5376,8 @@
           </p:sp>
         </mc:Fallback>
       </mc:AlternateContent>
-      <mc:AlternateContent xmlns:mc="http://schemas.openxmlformats.org/markup-compatibility/2006">
-        <mc:Choice xmlns:a14="http://schemas.microsoft.com/office/drawing/2010/main" Requires="a14">
+      <mc:AlternateContent xmlns:mc="http://schemas.openxmlformats.org/markup-compatibility/2006" xmlns:a14="http://schemas.microsoft.com/office/drawing/2010/main">
+        <mc:Choice Requires="a14">
           <p:sp>
             <p:nvSpPr>
               <p:cNvPr id="111" name="Rectangle 110"/>
@@ -5457,7 +5463,7 @@
             </p:txBody>
           </p:sp>
         </mc:Choice>
-        <mc:Fallback>
+        <mc:Fallback xmlns="">
           <p:sp>
             <p:nvSpPr>
               <p:cNvPr id="111" name="Rectangle 110"/>
@@ -5570,8 +5576,8 @@
           </a:fontRef>
         </p:style>
       </p:cxnSp>
-      <mc:AlternateContent xmlns:mc="http://schemas.openxmlformats.org/markup-compatibility/2006">
-        <mc:Choice xmlns:a14="http://schemas.microsoft.com/office/drawing/2010/main" Requires="a14">
+      <mc:AlternateContent xmlns:mc="http://schemas.openxmlformats.org/markup-compatibility/2006" xmlns:a14="http://schemas.microsoft.com/office/drawing/2010/main">
+        <mc:Choice Requires="a14">
           <p:sp>
             <p:nvSpPr>
               <p:cNvPr id="116" name="Rectangle 115"/>
@@ -5593,6 +5599,7 @@
               </a:bodyPr>
               <a:lstStyle/>
               <a:p>
+                <a:pPr/>
                 <a14:m>
                   <m:oMathPara xmlns:m="http://schemas.openxmlformats.org/officeDocument/2006/math">
                     <m:oMathParaPr>
@@ -5650,7 +5657,7 @@
             </p:txBody>
           </p:sp>
         </mc:Choice>
-        <mc:Fallback>
+        <mc:Fallback xmlns="">
           <p:sp>
             <p:nvSpPr>
               <p:cNvPr id="116" name="Rectangle 115"/>
@@ -5909,8 +5916,8 @@
           </a:fontRef>
         </p:style>
       </p:cxnSp>
-      <mc:AlternateContent xmlns:mc="http://schemas.openxmlformats.org/markup-compatibility/2006">
-        <mc:Choice xmlns:a14="http://schemas.microsoft.com/office/drawing/2010/main" Requires="a14">
+      <mc:AlternateContent xmlns:mc="http://schemas.openxmlformats.org/markup-compatibility/2006" xmlns:a14="http://schemas.microsoft.com/office/drawing/2010/main">
+        <mc:Choice Requires="a14">
           <p:sp>
             <p:nvSpPr>
               <p:cNvPr id="126" name="Rectangle 125"/>
@@ -5932,6 +5939,7 @@
               </a:bodyPr>
               <a:lstStyle/>
               <a:p>
+                <a:pPr/>
                 <a14:m>
                   <m:oMathPara xmlns:m="http://schemas.openxmlformats.org/officeDocument/2006/math">
                     <m:oMathParaPr>
@@ -5989,7 +5997,7 @@
             </p:txBody>
           </p:sp>
         </mc:Choice>
-        <mc:Fallback>
+        <mc:Fallback xmlns="">
           <p:sp>
             <p:nvSpPr>
               <p:cNvPr id="126" name="Rectangle 125"/>
@@ -6263,8 +6271,8 @@
           </a:p>
         </p:txBody>
       </p:sp>
-      <mc:AlternateContent xmlns:mc="http://schemas.openxmlformats.org/markup-compatibility/2006">
-        <mc:Choice xmlns:a14="http://schemas.microsoft.com/office/drawing/2010/main" Requires="a14">
+      <mc:AlternateContent xmlns:mc="http://schemas.openxmlformats.org/markup-compatibility/2006" xmlns:a14="http://schemas.microsoft.com/office/drawing/2010/main">
+        <mc:Choice Requires="a14">
           <p:sp>
             <p:nvSpPr>
               <p:cNvPr id="132" name="Rectangle 131"/>
@@ -6306,7 +6314,7 @@
             </p:txBody>
           </p:sp>
         </mc:Choice>
-        <mc:Fallback>
+        <mc:Fallback xmlns="">
           <p:sp>
             <p:nvSpPr>
               <p:cNvPr id="132" name="Rectangle 131"/>
@@ -6345,8 +6353,8 @@
           </p:sp>
         </mc:Fallback>
       </mc:AlternateContent>
-      <mc:AlternateContent xmlns:mc="http://schemas.openxmlformats.org/markup-compatibility/2006">
-        <mc:Choice xmlns:a14="http://schemas.microsoft.com/office/drawing/2010/main" Requires="a14">
+      <mc:AlternateContent xmlns:mc="http://schemas.openxmlformats.org/markup-compatibility/2006" xmlns:a14="http://schemas.microsoft.com/office/drawing/2010/main">
+        <mc:Choice Requires="a14">
           <p:sp>
             <p:nvSpPr>
               <p:cNvPr id="133" name="Rectangle 132"/>
@@ -6388,7 +6396,7 @@
             </p:txBody>
           </p:sp>
         </mc:Choice>
-        <mc:Fallback>
+        <mc:Fallback xmlns="">
           <p:sp>
             <p:nvSpPr>
               <p:cNvPr id="133" name="Rectangle 132"/>
@@ -6427,8 +6435,8 @@
           </p:sp>
         </mc:Fallback>
       </mc:AlternateContent>
-      <mc:AlternateContent xmlns:mc="http://schemas.openxmlformats.org/markup-compatibility/2006">
-        <mc:Choice xmlns:a14="http://schemas.microsoft.com/office/drawing/2010/main" Requires="a14">
+      <mc:AlternateContent xmlns:mc="http://schemas.openxmlformats.org/markup-compatibility/2006" xmlns:a14="http://schemas.microsoft.com/office/drawing/2010/main">
+        <mc:Choice Requires="a14">
           <p:sp>
             <p:nvSpPr>
               <p:cNvPr id="134" name="Rectangle 133"/>
@@ -6470,7 +6478,7 @@
             </p:txBody>
           </p:sp>
         </mc:Choice>
-        <mc:Fallback>
+        <mc:Fallback xmlns="">
           <p:sp>
             <p:nvSpPr>
               <p:cNvPr id="134" name="Rectangle 133"/>
@@ -6509,8 +6517,8 @@
           </p:sp>
         </mc:Fallback>
       </mc:AlternateContent>
-      <mc:AlternateContent xmlns:mc="http://schemas.openxmlformats.org/markup-compatibility/2006">
-        <mc:Choice xmlns:a14="http://schemas.microsoft.com/office/drawing/2010/main" Requires="a14">
+      <mc:AlternateContent xmlns:mc="http://schemas.openxmlformats.org/markup-compatibility/2006" xmlns:a14="http://schemas.microsoft.com/office/drawing/2010/main">
+        <mc:Choice Requires="a14">
           <p:sp>
             <p:nvSpPr>
               <p:cNvPr id="135" name="Rectangle 134"/>
@@ -6552,7 +6560,7 @@
             </p:txBody>
           </p:sp>
         </mc:Choice>
-        <mc:Fallback>
+        <mc:Fallback xmlns="">
           <p:sp>
             <p:nvSpPr>
               <p:cNvPr id="135" name="Rectangle 134"/>
@@ -6591,8 +6599,8 @@
           </p:sp>
         </mc:Fallback>
       </mc:AlternateContent>
-      <mc:AlternateContent xmlns:mc="http://schemas.openxmlformats.org/markup-compatibility/2006">
-        <mc:Choice xmlns:a14="http://schemas.microsoft.com/office/drawing/2010/main" Requires="a14">
+      <mc:AlternateContent xmlns:mc="http://schemas.openxmlformats.org/markup-compatibility/2006" xmlns:a14="http://schemas.microsoft.com/office/drawing/2010/main">
+        <mc:Choice Requires="a14">
           <p:sp>
             <p:nvSpPr>
               <p:cNvPr id="136" name="Rectangle 135"/>
@@ -6634,7 +6642,7 @@
             </p:txBody>
           </p:sp>
         </mc:Choice>
-        <mc:Fallback>
+        <mc:Fallback xmlns="">
           <p:sp>
             <p:nvSpPr>
               <p:cNvPr id="136" name="Rectangle 135"/>
@@ -6710,8 +6718,8 @@
           </a:fontRef>
         </p:style>
       </p:cxnSp>
-      <mc:AlternateContent xmlns:mc="http://schemas.openxmlformats.org/markup-compatibility/2006">
-        <mc:Choice xmlns:a14="http://schemas.microsoft.com/office/drawing/2010/main" Requires="a14">
+      <mc:AlternateContent xmlns:mc="http://schemas.openxmlformats.org/markup-compatibility/2006" xmlns:a14="http://schemas.microsoft.com/office/drawing/2010/main">
+        <mc:Choice Requires="a14">
           <p:sp>
             <p:nvSpPr>
               <p:cNvPr id="139" name="Rectangle 138"/>
@@ -6733,6 +6741,7 @@
               </a:bodyPr>
               <a:lstStyle/>
               <a:p>
+                <a:pPr/>
                 <a14:m>
                   <m:oMathPara xmlns:m="http://schemas.openxmlformats.org/officeDocument/2006/math">
                     <m:oMathParaPr>
@@ -6753,7 +6762,7 @@
             </p:txBody>
           </p:sp>
         </mc:Choice>
-        <mc:Fallback>
+        <mc:Fallback xmlns="">
           <p:sp>
             <p:nvSpPr>
               <p:cNvPr id="139" name="Rectangle 138"/>
@@ -6796,6 +6805,3650 @@
     <p:extLst>
       <p:ext uri="{BB962C8B-B14F-4D97-AF65-F5344CB8AC3E}">
         <p14:creationId xmlns:p14="http://schemas.microsoft.com/office/powerpoint/2010/main" val="3706838923"/>
+      </p:ext>
+    </p:extLst>
+  </p:cSld>
+  <p:clrMapOvr>
+    <a:masterClrMapping/>
+  </p:clrMapOvr>
+</p:sld>
+</file>
+
+<file path=ppt/slides/slide2.xml><?xml version="1.0" encoding="utf-8"?>
+<p:sld xmlns:a="http://schemas.openxmlformats.org/drawingml/2006/main" xmlns:r="http://schemas.openxmlformats.org/officeDocument/2006/relationships" xmlns:p="http://schemas.openxmlformats.org/presentationml/2006/main">
+  <p:cSld>
+    <p:spTree>
+      <p:nvGrpSpPr>
+        <p:cNvPr id="1" name=""/>
+        <p:cNvGrpSpPr/>
+        <p:nvPr/>
+      </p:nvGrpSpPr>
+      <p:grpSpPr>
+        <a:xfrm>
+          <a:off x="0" y="0"/>
+          <a:ext cx="0" cy="0"/>
+          <a:chOff x="0" y="0"/>
+          <a:chExt cx="0" cy="0"/>
+        </a:xfrm>
+      </p:grpSpPr>
+      <p:sp>
+        <p:nvSpPr>
+          <p:cNvPr id="4" name="Rectangle 3"/>
+          <p:cNvSpPr/>
+          <p:nvPr/>
+        </p:nvSpPr>
+        <p:spPr>
+          <a:xfrm>
+            <a:off x="1187624" y="2564904"/>
+            <a:ext cx="504056" cy="1008112"/>
+          </a:xfrm>
+          <a:prstGeom prst="rect">
+            <a:avLst/>
+          </a:prstGeom>
+          <a:pattFill prst="ltUpDiag">
+            <a:fgClr>
+              <a:schemeClr val="tx2"/>
+            </a:fgClr>
+            <a:bgClr>
+              <a:schemeClr val="bg1"/>
+            </a:bgClr>
+          </a:pattFill>
+          <a:ln>
+            <a:noFill/>
+          </a:ln>
+        </p:spPr>
+        <p:style>
+          <a:lnRef idx="2">
+            <a:schemeClr val="accent1">
+              <a:shade val="50000"/>
+            </a:schemeClr>
+          </a:lnRef>
+          <a:fillRef idx="1">
+            <a:schemeClr val="accent1"/>
+          </a:fillRef>
+          <a:effectRef idx="0">
+            <a:schemeClr val="accent1"/>
+          </a:effectRef>
+          <a:fontRef idx="minor">
+            <a:schemeClr val="lt1"/>
+          </a:fontRef>
+        </p:style>
+        <p:txBody>
+          <a:bodyPr rtlCol="0" anchor="ctr"/>
+          <a:lstStyle/>
+          <a:p>
+            <a:pPr algn="ctr"/>
+            <a:endParaRPr lang="fr-FR"/>
+          </a:p>
+        </p:txBody>
+      </p:sp>
+      <p:cxnSp>
+        <p:nvCxnSpPr>
+          <p:cNvPr id="6" name="Connecteur droit 5"/>
+          <p:cNvCxnSpPr/>
+          <p:nvPr/>
+        </p:nvCxnSpPr>
+        <p:spPr>
+          <a:xfrm>
+            <a:off x="1691680" y="2564904"/>
+            <a:ext cx="0" cy="1008112"/>
+          </a:xfrm>
+          <a:prstGeom prst="line">
+            <a:avLst/>
+          </a:prstGeom>
+          <a:ln w="28575">
+            <a:solidFill>
+              <a:schemeClr val="tx2"/>
+            </a:solidFill>
+          </a:ln>
+        </p:spPr>
+        <p:style>
+          <a:lnRef idx="1">
+            <a:schemeClr val="accent1"/>
+          </a:lnRef>
+          <a:fillRef idx="0">
+            <a:schemeClr val="accent1"/>
+          </a:fillRef>
+          <a:effectRef idx="0">
+            <a:schemeClr val="accent1"/>
+          </a:effectRef>
+          <a:fontRef idx="minor">
+            <a:schemeClr val="tx1"/>
+          </a:fontRef>
+        </p:style>
+      </p:cxnSp>
+      <p:cxnSp>
+        <p:nvCxnSpPr>
+          <p:cNvPr id="7" name="Connecteur droit 6"/>
+          <p:cNvCxnSpPr/>
+          <p:nvPr/>
+        </p:nvCxnSpPr>
+        <p:spPr>
+          <a:xfrm>
+            <a:off x="1691680" y="2708920"/>
+            <a:ext cx="360040" cy="0"/>
+          </a:xfrm>
+          <a:prstGeom prst="line">
+            <a:avLst/>
+          </a:prstGeom>
+          <a:ln w="28575">
+            <a:solidFill>
+              <a:schemeClr val="tx2"/>
+            </a:solidFill>
+          </a:ln>
+        </p:spPr>
+        <p:style>
+          <a:lnRef idx="1">
+            <a:schemeClr val="accent1"/>
+          </a:lnRef>
+          <a:fillRef idx="0">
+            <a:schemeClr val="accent1"/>
+          </a:fillRef>
+          <a:effectRef idx="0">
+            <a:schemeClr val="accent1"/>
+          </a:effectRef>
+          <a:fontRef idx="minor">
+            <a:schemeClr val="tx1"/>
+          </a:fontRef>
+        </p:style>
+      </p:cxnSp>
+      <p:cxnSp>
+        <p:nvCxnSpPr>
+          <p:cNvPr id="10" name="Connecteur droit 9"/>
+          <p:cNvCxnSpPr/>
+          <p:nvPr/>
+        </p:nvCxnSpPr>
+        <p:spPr>
+          <a:xfrm flipH="1">
+            <a:off x="2051720" y="2564904"/>
+            <a:ext cx="36004" cy="144016"/>
+          </a:xfrm>
+          <a:prstGeom prst="line">
+            <a:avLst/>
+          </a:prstGeom>
+          <a:ln w="28575">
+            <a:solidFill>
+              <a:schemeClr val="tx2"/>
+            </a:solidFill>
+          </a:ln>
+        </p:spPr>
+        <p:style>
+          <a:lnRef idx="1">
+            <a:schemeClr val="accent1"/>
+          </a:lnRef>
+          <a:fillRef idx="0">
+            <a:schemeClr val="accent1"/>
+          </a:fillRef>
+          <a:effectRef idx="0">
+            <a:schemeClr val="accent1"/>
+          </a:effectRef>
+          <a:fontRef idx="minor">
+            <a:schemeClr val="tx1"/>
+          </a:fontRef>
+        </p:style>
+      </p:cxnSp>
+      <p:cxnSp>
+        <p:nvCxnSpPr>
+          <p:cNvPr id="13" name="Connecteur droit 12"/>
+          <p:cNvCxnSpPr/>
+          <p:nvPr/>
+        </p:nvCxnSpPr>
+        <p:spPr>
+          <a:xfrm>
+            <a:off x="2097187" y="2564904"/>
+            <a:ext cx="72008" cy="288032"/>
+          </a:xfrm>
+          <a:prstGeom prst="line">
+            <a:avLst/>
+          </a:prstGeom>
+          <a:ln w="28575">
+            <a:solidFill>
+              <a:schemeClr val="tx2"/>
+            </a:solidFill>
+          </a:ln>
+        </p:spPr>
+        <p:style>
+          <a:lnRef idx="1">
+            <a:schemeClr val="accent1"/>
+          </a:lnRef>
+          <a:fillRef idx="0">
+            <a:schemeClr val="accent1"/>
+          </a:fillRef>
+          <a:effectRef idx="0">
+            <a:schemeClr val="accent1"/>
+          </a:effectRef>
+          <a:fontRef idx="minor">
+            <a:schemeClr val="tx1"/>
+          </a:fontRef>
+        </p:style>
+      </p:cxnSp>
+      <p:cxnSp>
+        <p:nvCxnSpPr>
+          <p:cNvPr id="15" name="Connecteur droit 14"/>
+          <p:cNvCxnSpPr/>
+          <p:nvPr/>
+        </p:nvCxnSpPr>
+        <p:spPr>
+          <a:xfrm flipV="1">
+            <a:off x="2169195" y="2564904"/>
+            <a:ext cx="72008" cy="288032"/>
+          </a:xfrm>
+          <a:prstGeom prst="line">
+            <a:avLst/>
+          </a:prstGeom>
+          <a:ln w="28575">
+            <a:solidFill>
+              <a:schemeClr val="tx2"/>
+            </a:solidFill>
+          </a:ln>
+        </p:spPr>
+        <p:style>
+          <a:lnRef idx="1">
+            <a:schemeClr val="accent1"/>
+          </a:lnRef>
+          <a:fillRef idx="0">
+            <a:schemeClr val="accent1"/>
+          </a:fillRef>
+          <a:effectRef idx="0">
+            <a:schemeClr val="accent1"/>
+          </a:effectRef>
+          <a:fontRef idx="minor">
+            <a:schemeClr val="tx1"/>
+          </a:fontRef>
+        </p:style>
+      </p:cxnSp>
+      <p:cxnSp>
+        <p:nvCxnSpPr>
+          <p:cNvPr id="19" name="Connecteur droit 18"/>
+          <p:cNvCxnSpPr/>
+          <p:nvPr/>
+        </p:nvCxnSpPr>
+        <p:spPr>
+          <a:xfrm>
+            <a:off x="2248508" y="2564904"/>
+            <a:ext cx="72008" cy="288032"/>
+          </a:xfrm>
+          <a:prstGeom prst="line">
+            <a:avLst/>
+          </a:prstGeom>
+          <a:ln w="28575">
+            <a:solidFill>
+              <a:schemeClr val="tx2"/>
+            </a:solidFill>
+          </a:ln>
+        </p:spPr>
+        <p:style>
+          <a:lnRef idx="1">
+            <a:schemeClr val="accent1"/>
+          </a:lnRef>
+          <a:fillRef idx="0">
+            <a:schemeClr val="accent1"/>
+          </a:fillRef>
+          <a:effectRef idx="0">
+            <a:schemeClr val="accent1"/>
+          </a:effectRef>
+          <a:fontRef idx="minor">
+            <a:schemeClr val="tx1"/>
+          </a:fontRef>
+        </p:style>
+      </p:cxnSp>
+      <p:cxnSp>
+        <p:nvCxnSpPr>
+          <p:cNvPr id="20" name="Connecteur droit 19"/>
+          <p:cNvCxnSpPr/>
+          <p:nvPr/>
+        </p:nvCxnSpPr>
+        <p:spPr>
+          <a:xfrm flipV="1">
+            <a:off x="2320516" y="2564904"/>
+            <a:ext cx="72008" cy="288032"/>
+          </a:xfrm>
+          <a:prstGeom prst="line">
+            <a:avLst/>
+          </a:prstGeom>
+          <a:ln w="28575">
+            <a:solidFill>
+              <a:schemeClr val="tx2"/>
+            </a:solidFill>
+          </a:ln>
+        </p:spPr>
+        <p:style>
+          <a:lnRef idx="1">
+            <a:schemeClr val="accent1"/>
+          </a:lnRef>
+          <a:fillRef idx="0">
+            <a:schemeClr val="accent1"/>
+          </a:fillRef>
+          <a:effectRef idx="0">
+            <a:schemeClr val="accent1"/>
+          </a:effectRef>
+          <a:fontRef idx="minor">
+            <a:schemeClr val="tx1"/>
+          </a:fontRef>
+        </p:style>
+      </p:cxnSp>
+      <p:cxnSp>
+        <p:nvCxnSpPr>
+          <p:cNvPr id="25" name="Connecteur droit 24"/>
+          <p:cNvCxnSpPr/>
+          <p:nvPr/>
+        </p:nvCxnSpPr>
+        <p:spPr>
+          <a:xfrm>
+            <a:off x="2392524" y="2564904"/>
+            <a:ext cx="72008" cy="288032"/>
+          </a:xfrm>
+          <a:prstGeom prst="line">
+            <a:avLst/>
+          </a:prstGeom>
+          <a:ln w="28575">
+            <a:solidFill>
+              <a:schemeClr val="tx2"/>
+            </a:solidFill>
+          </a:ln>
+        </p:spPr>
+        <p:style>
+          <a:lnRef idx="1">
+            <a:schemeClr val="accent1"/>
+          </a:lnRef>
+          <a:fillRef idx="0">
+            <a:schemeClr val="accent1"/>
+          </a:fillRef>
+          <a:effectRef idx="0">
+            <a:schemeClr val="accent1"/>
+          </a:effectRef>
+          <a:fontRef idx="minor">
+            <a:schemeClr val="tx1"/>
+          </a:fontRef>
+        </p:style>
+      </p:cxnSp>
+      <p:cxnSp>
+        <p:nvCxnSpPr>
+          <p:cNvPr id="26" name="Connecteur droit 25"/>
+          <p:cNvCxnSpPr/>
+          <p:nvPr/>
+        </p:nvCxnSpPr>
+        <p:spPr>
+          <a:xfrm flipV="1">
+            <a:off x="2464532" y="2564904"/>
+            <a:ext cx="72008" cy="288032"/>
+          </a:xfrm>
+          <a:prstGeom prst="line">
+            <a:avLst/>
+          </a:prstGeom>
+          <a:ln w="28575">
+            <a:solidFill>
+              <a:schemeClr val="tx2"/>
+            </a:solidFill>
+          </a:ln>
+        </p:spPr>
+        <p:style>
+          <a:lnRef idx="1">
+            <a:schemeClr val="accent1"/>
+          </a:lnRef>
+          <a:fillRef idx="0">
+            <a:schemeClr val="accent1"/>
+          </a:fillRef>
+          <a:effectRef idx="0">
+            <a:schemeClr val="accent1"/>
+          </a:effectRef>
+          <a:fontRef idx="minor">
+            <a:schemeClr val="tx1"/>
+          </a:fontRef>
+        </p:style>
+      </p:cxnSp>
+      <p:cxnSp>
+        <p:nvCxnSpPr>
+          <p:cNvPr id="29" name="Connecteur droit 28"/>
+          <p:cNvCxnSpPr/>
+          <p:nvPr/>
+        </p:nvCxnSpPr>
+        <p:spPr>
+          <a:xfrm>
+            <a:off x="2536540" y="2564904"/>
+            <a:ext cx="72008" cy="288032"/>
+          </a:xfrm>
+          <a:prstGeom prst="line">
+            <a:avLst/>
+          </a:prstGeom>
+          <a:ln w="28575">
+            <a:solidFill>
+              <a:schemeClr val="tx2"/>
+            </a:solidFill>
+          </a:ln>
+        </p:spPr>
+        <p:style>
+          <a:lnRef idx="1">
+            <a:schemeClr val="accent1"/>
+          </a:lnRef>
+          <a:fillRef idx="0">
+            <a:schemeClr val="accent1"/>
+          </a:fillRef>
+          <a:effectRef idx="0">
+            <a:schemeClr val="accent1"/>
+          </a:effectRef>
+          <a:fontRef idx="minor">
+            <a:schemeClr val="tx1"/>
+          </a:fontRef>
+        </p:style>
+      </p:cxnSp>
+      <p:cxnSp>
+        <p:nvCxnSpPr>
+          <p:cNvPr id="30" name="Connecteur droit 29"/>
+          <p:cNvCxnSpPr/>
+          <p:nvPr/>
+        </p:nvCxnSpPr>
+        <p:spPr>
+          <a:xfrm flipV="1">
+            <a:off x="2608548" y="2564904"/>
+            <a:ext cx="72008" cy="288032"/>
+          </a:xfrm>
+          <a:prstGeom prst="line">
+            <a:avLst/>
+          </a:prstGeom>
+          <a:ln w="28575">
+            <a:solidFill>
+              <a:schemeClr val="tx2"/>
+            </a:solidFill>
+          </a:ln>
+        </p:spPr>
+        <p:style>
+          <a:lnRef idx="1">
+            <a:schemeClr val="accent1"/>
+          </a:lnRef>
+          <a:fillRef idx="0">
+            <a:schemeClr val="accent1"/>
+          </a:fillRef>
+          <a:effectRef idx="0">
+            <a:schemeClr val="accent1"/>
+          </a:effectRef>
+          <a:fontRef idx="minor">
+            <a:schemeClr val="tx1"/>
+          </a:fontRef>
+        </p:style>
+      </p:cxnSp>
+      <p:cxnSp>
+        <p:nvCxnSpPr>
+          <p:cNvPr id="31" name="Connecteur droit 30"/>
+          <p:cNvCxnSpPr/>
+          <p:nvPr/>
+        </p:nvCxnSpPr>
+        <p:spPr>
+          <a:xfrm>
+            <a:off x="2680556" y="2564904"/>
+            <a:ext cx="72008" cy="288032"/>
+          </a:xfrm>
+          <a:prstGeom prst="line">
+            <a:avLst/>
+          </a:prstGeom>
+          <a:ln w="28575">
+            <a:solidFill>
+              <a:schemeClr val="tx2"/>
+            </a:solidFill>
+          </a:ln>
+        </p:spPr>
+        <p:style>
+          <a:lnRef idx="1">
+            <a:schemeClr val="accent1"/>
+          </a:lnRef>
+          <a:fillRef idx="0">
+            <a:schemeClr val="accent1"/>
+          </a:fillRef>
+          <a:effectRef idx="0">
+            <a:schemeClr val="accent1"/>
+          </a:effectRef>
+          <a:fontRef idx="minor">
+            <a:schemeClr val="tx1"/>
+          </a:fontRef>
+        </p:style>
+      </p:cxnSp>
+      <p:cxnSp>
+        <p:nvCxnSpPr>
+          <p:cNvPr id="32" name="Connecteur droit 31"/>
+          <p:cNvCxnSpPr/>
+          <p:nvPr/>
+        </p:nvCxnSpPr>
+        <p:spPr>
+          <a:xfrm flipV="1">
+            <a:off x="2752564" y="2564904"/>
+            <a:ext cx="72008" cy="288032"/>
+          </a:xfrm>
+          <a:prstGeom prst="line">
+            <a:avLst/>
+          </a:prstGeom>
+          <a:ln w="28575">
+            <a:solidFill>
+              <a:schemeClr val="tx2"/>
+            </a:solidFill>
+          </a:ln>
+        </p:spPr>
+        <p:style>
+          <a:lnRef idx="1">
+            <a:schemeClr val="accent1"/>
+          </a:lnRef>
+          <a:fillRef idx="0">
+            <a:schemeClr val="accent1"/>
+          </a:fillRef>
+          <a:effectRef idx="0">
+            <a:schemeClr val="accent1"/>
+          </a:effectRef>
+          <a:fontRef idx="minor">
+            <a:schemeClr val="tx1"/>
+          </a:fontRef>
+        </p:style>
+      </p:cxnSp>
+      <p:cxnSp>
+        <p:nvCxnSpPr>
+          <p:cNvPr id="33" name="Connecteur droit 32"/>
+          <p:cNvCxnSpPr/>
+          <p:nvPr/>
+        </p:nvCxnSpPr>
+        <p:spPr>
+          <a:xfrm>
+            <a:off x="2824988" y="2570535"/>
+            <a:ext cx="36004" cy="144016"/>
+          </a:xfrm>
+          <a:prstGeom prst="line">
+            <a:avLst/>
+          </a:prstGeom>
+          <a:ln w="28575">
+            <a:solidFill>
+              <a:schemeClr val="tx2"/>
+            </a:solidFill>
+          </a:ln>
+        </p:spPr>
+        <p:style>
+          <a:lnRef idx="1">
+            <a:schemeClr val="accent1"/>
+          </a:lnRef>
+          <a:fillRef idx="0">
+            <a:schemeClr val="accent1"/>
+          </a:fillRef>
+          <a:effectRef idx="0">
+            <a:schemeClr val="accent1"/>
+          </a:effectRef>
+          <a:fontRef idx="minor">
+            <a:schemeClr val="tx1"/>
+          </a:fontRef>
+        </p:style>
+      </p:cxnSp>
+      <p:cxnSp>
+        <p:nvCxnSpPr>
+          <p:cNvPr id="34" name="Connecteur droit 33"/>
+          <p:cNvCxnSpPr/>
+          <p:nvPr/>
+        </p:nvCxnSpPr>
+        <p:spPr>
+          <a:xfrm flipH="1">
+            <a:off x="2860992" y="2708920"/>
+            <a:ext cx="270848" cy="0"/>
+          </a:xfrm>
+          <a:prstGeom prst="line">
+            <a:avLst/>
+          </a:prstGeom>
+          <a:ln w="28575">
+            <a:solidFill>
+              <a:schemeClr val="tx2"/>
+            </a:solidFill>
+          </a:ln>
+        </p:spPr>
+        <p:style>
+          <a:lnRef idx="1">
+            <a:schemeClr val="accent1"/>
+          </a:lnRef>
+          <a:fillRef idx="0">
+            <a:schemeClr val="accent1"/>
+          </a:fillRef>
+          <a:effectRef idx="0">
+            <a:schemeClr val="accent1"/>
+          </a:effectRef>
+          <a:fontRef idx="minor">
+            <a:schemeClr val="tx1"/>
+          </a:fontRef>
+        </p:style>
+      </p:cxnSp>
+      <p:cxnSp>
+        <p:nvCxnSpPr>
+          <p:cNvPr id="37" name="Connecteur droit 36"/>
+          <p:cNvCxnSpPr/>
+          <p:nvPr/>
+        </p:nvCxnSpPr>
+        <p:spPr>
+          <a:xfrm>
+            <a:off x="1691680" y="3429000"/>
+            <a:ext cx="552474" cy="0"/>
+          </a:xfrm>
+          <a:prstGeom prst="line">
+            <a:avLst/>
+          </a:prstGeom>
+          <a:ln w="28575">
+            <a:solidFill>
+              <a:schemeClr val="tx2"/>
+            </a:solidFill>
+          </a:ln>
+        </p:spPr>
+        <p:style>
+          <a:lnRef idx="1">
+            <a:schemeClr val="accent1"/>
+          </a:lnRef>
+          <a:fillRef idx="0">
+            <a:schemeClr val="accent1"/>
+          </a:fillRef>
+          <a:effectRef idx="0">
+            <a:schemeClr val="accent1"/>
+          </a:effectRef>
+          <a:fontRef idx="minor">
+            <a:schemeClr val="tx1"/>
+          </a:fontRef>
+        </p:style>
+      </p:cxnSp>
+      <p:cxnSp>
+        <p:nvCxnSpPr>
+          <p:cNvPr id="38" name="Connecteur droit 37"/>
+          <p:cNvCxnSpPr/>
+          <p:nvPr/>
+        </p:nvCxnSpPr>
+        <p:spPr>
+          <a:xfrm>
+            <a:off x="2248508" y="3289746"/>
+            <a:ext cx="0" cy="288032"/>
+          </a:xfrm>
+          <a:prstGeom prst="line">
+            <a:avLst/>
+          </a:prstGeom>
+          <a:ln w="28575">
+            <a:solidFill>
+              <a:schemeClr val="tx2"/>
+            </a:solidFill>
+          </a:ln>
+        </p:spPr>
+        <p:style>
+          <a:lnRef idx="1">
+            <a:schemeClr val="accent1"/>
+          </a:lnRef>
+          <a:fillRef idx="0">
+            <a:schemeClr val="accent1"/>
+          </a:fillRef>
+          <a:effectRef idx="0">
+            <a:schemeClr val="accent1"/>
+          </a:effectRef>
+          <a:fontRef idx="minor">
+            <a:schemeClr val="tx1"/>
+          </a:fontRef>
+        </p:style>
+      </p:cxnSp>
+      <p:cxnSp>
+        <p:nvCxnSpPr>
+          <p:cNvPr id="40" name="Connecteur droit 39"/>
+          <p:cNvCxnSpPr/>
+          <p:nvPr/>
+        </p:nvCxnSpPr>
+        <p:spPr>
+          <a:xfrm>
+            <a:off x="2418457" y="3356992"/>
+            <a:ext cx="0" cy="144016"/>
+          </a:xfrm>
+          <a:prstGeom prst="line">
+            <a:avLst/>
+          </a:prstGeom>
+          <a:ln w="28575">
+            <a:solidFill>
+              <a:schemeClr val="tx2"/>
+            </a:solidFill>
+          </a:ln>
+        </p:spPr>
+        <p:style>
+          <a:lnRef idx="1">
+            <a:schemeClr val="accent1"/>
+          </a:lnRef>
+          <a:fillRef idx="0">
+            <a:schemeClr val="accent1"/>
+          </a:fillRef>
+          <a:effectRef idx="0">
+            <a:schemeClr val="accent1"/>
+          </a:effectRef>
+          <a:fontRef idx="minor">
+            <a:schemeClr val="tx1"/>
+          </a:fontRef>
+        </p:style>
+      </p:cxnSp>
+      <p:cxnSp>
+        <p:nvCxnSpPr>
+          <p:cNvPr id="43" name="Connecteur droit 42"/>
+          <p:cNvCxnSpPr/>
+          <p:nvPr/>
+        </p:nvCxnSpPr>
+        <p:spPr>
+          <a:xfrm>
+            <a:off x="2241203" y="3284984"/>
+            <a:ext cx="314573" cy="0"/>
+          </a:xfrm>
+          <a:prstGeom prst="line">
+            <a:avLst/>
+          </a:prstGeom>
+          <a:ln w="28575">
+            <a:solidFill>
+              <a:schemeClr val="tx2"/>
+            </a:solidFill>
+          </a:ln>
+        </p:spPr>
+        <p:style>
+          <a:lnRef idx="1">
+            <a:schemeClr val="accent1"/>
+          </a:lnRef>
+          <a:fillRef idx="0">
+            <a:schemeClr val="accent1"/>
+          </a:fillRef>
+          <a:effectRef idx="0">
+            <a:schemeClr val="accent1"/>
+          </a:effectRef>
+          <a:fontRef idx="minor">
+            <a:schemeClr val="tx1"/>
+          </a:fontRef>
+        </p:style>
+      </p:cxnSp>
+      <p:cxnSp>
+        <p:nvCxnSpPr>
+          <p:cNvPr id="50" name="Connecteur droit 49"/>
+          <p:cNvCxnSpPr/>
+          <p:nvPr/>
+        </p:nvCxnSpPr>
+        <p:spPr>
+          <a:xfrm>
+            <a:off x="2418457" y="3429000"/>
+            <a:ext cx="713383" cy="0"/>
+          </a:xfrm>
+          <a:prstGeom prst="line">
+            <a:avLst/>
+          </a:prstGeom>
+          <a:ln w="28575">
+            <a:solidFill>
+              <a:schemeClr val="tx2"/>
+            </a:solidFill>
+          </a:ln>
+        </p:spPr>
+        <p:style>
+          <a:lnRef idx="1">
+            <a:schemeClr val="accent1"/>
+          </a:lnRef>
+          <a:fillRef idx="0">
+            <a:schemeClr val="accent1"/>
+          </a:fillRef>
+          <a:effectRef idx="0">
+            <a:schemeClr val="accent1"/>
+          </a:effectRef>
+          <a:fontRef idx="minor">
+            <a:schemeClr val="tx1"/>
+          </a:fontRef>
+        </p:style>
+      </p:cxnSp>
+      <p:cxnSp>
+        <p:nvCxnSpPr>
+          <p:cNvPr id="52" name="Connecteur droit 51"/>
+          <p:cNvCxnSpPr/>
+          <p:nvPr/>
+        </p:nvCxnSpPr>
+        <p:spPr>
+          <a:xfrm>
+            <a:off x="2244154" y="3573016"/>
+            <a:ext cx="314573" cy="0"/>
+          </a:xfrm>
+          <a:prstGeom prst="line">
+            <a:avLst/>
+          </a:prstGeom>
+          <a:ln w="28575">
+            <a:solidFill>
+              <a:schemeClr val="tx2"/>
+            </a:solidFill>
+          </a:ln>
+        </p:spPr>
+        <p:style>
+          <a:lnRef idx="1">
+            <a:schemeClr val="accent1"/>
+          </a:lnRef>
+          <a:fillRef idx="0">
+            <a:schemeClr val="accent1"/>
+          </a:fillRef>
+          <a:effectRef idx="0">
+            <a:schemeClr val="accent1"/>
+          </a:effectRef>
+          <a:fontRef idx="minor">
+            <a:schemeClr val="tx1"/>
+          </a:fontRef>
+        </p:style>
+      </p:cxnSp>
+      <mc:AlternateContent xmlns:mc="http://schemas.openxmlformats.org/markup-compatibility/2006">
+        <mc:Choice xmlns:a14="http://schemas.microsoft.com/office/drawing/2010/main" Requires="a14">
+          <p:sp>
+            <p:nvSpPr>
+              <p:cNvPr id="54" name="Rectangle 53"/>
+              <p:cNvSpPr/>
+              <p:nvPr/>
+            </p:nvSpPr>
+            <p:spPr>
+              <a:xfrm>
+                <a:off x="3131840" y="2564904"/>
+                <a:ext cx="720080" cy="1012874"/>
+              </a:xfrm>
+              <a:prstGeom prst="rect">
+                <a:avLst/>
+              </a:prstGeom>
+              <a:noFill/>
+            </p:spPr>
+            <p:style>
+              <a:lnRef idx="2">
+                <a:schemeClr val="accent1">
+                  <a:shade val="50000"/>
+                </a:schemeClr>
+              </a:lnRef>
+              <a:fillRef idx="1">
+                <a:schemeClr val="accent1"/>
+              </a:fillRef>
+              <a:effectRef idx="0">
+                <a:schemeClr val="accent1"/>
+              </a:effectRef>
+              <a:fontRef idx="minor">
+                <a:schemeClr val="lt1"/>
+              </a:fontRef>
+            </p:style>
+            <p:txBody>
+              <a:bodyPr rtlCol="0" anchor="ctr"/>
+              <a:lstStyle/>
+              <a:p>
+                <a:pPr algn="ctr"/>
+                <a14:m>
+                  <m:oMathPara xmlns:m="http://schemas.openxmlformats.org/officeDocument/2006/math">
+                    <m:oMathParaPr>
+                      <m:jc m:val="centerGroup"/>
+                    </m:oMathParaPr>
+                    <m:oMath xmlns:m="http://schemas.openxmlformats.org/officeDocument/2006/math">
+                      <m:r>
+                        <a:rPr lang="fr-FR" b="0" i="1" smtClean="0">
+                          <a:solidFill>
+                            <a:schemeClr val="tx1"/>
+                          </a:solidFill>
+                          <a:latin typeface="Cambria Math"/>
+                        </a:rPr>
+                        <m:t>𝑚</m:t>
+                      </m:r>
+                    </m:oMath>
+                  </m:oMathPara>
+                </a14:m>
+                <a:endParaRPr lang="fr-FR" dirty="0"/>
+              </a:p>
+            </p:txBody>
+          </p:sp>
+        </mc:Choice>
+        <mc:Fallback>
+          <p:sp>
+            <p:nvSpPr>
+              <p:cNvPr id="54" name="Rectangle 53"/>
+              <p:cNvSpPr>
+                <a:spLocks noRot="1" noChangeAspect="1" noMove="1" noResize="1" noEditPoints="1" noAdjustHandles="1" noChangeArrowheads="1" noChangeShapeType="1" noTextEdit="1"/>
+              </p:cNvSpPr>
+              <p:nvPr/>
+            </p:nvSpPr>
+            <p:spPr>
+              <a:xfrm>
+                <a:off x="3131840" y="2564904"/>
+                <a:ext cx="720080" cy="1012874"/>
+              </a:xfrm>
+              <a:prstGeom prst="rect">
+                <a:avLst/>
+              </a:prstGeom>
+              <a:blipFill rotWithShape="1">
+                <a:blip r:embed="rId2"/>
+                <a:stretch>
+                  <a:fillRect/>
+                </a:stretch>
+              </a:blipFill>
+            </p:spPr>
+            <p:txBody>
+              <a:bodyPr/>
+              <a:lstStyle/>
+              <a:p>
+                <a:r>
+                  <a:rPr lang="fr-FR">
+                    <a:noFill/>
+                  </a:rPr>
+                  <a:t> </a:t>
+                </a:r>
+              </a:p>
+            </p:txBody>
+          </p:sp>
+        </mc:Fallback>
+      </mc:AlternateContent>
+      <p:cxnSp>
+        <p:nvCxnSpPr>
+          <p:cNvPr id="57" name="Connecteur droit 56"/>
+          <p:cNvCxnSpPr/>
+          <p:nvPr/>
+        </p:nvCxnSpPr>
+        <p:spPr>
+          <a:xfrm>
+            <a:off x="4572000" y="2706267"/>
+            <a:ext cx="360040" cy="0"/>
+          </a:xfrm>
+          <a:prstGeom prst="line">
+            <a:avLst/>
+          </a:prstGeom>
+          <a:ln w="28575">
+            <a:solidFill>
+              <a:schemeClr val="tx2"/>
+            </a:solidFill>
+          </a:ln>
+        </p:spPr>
+        <p:style>
+          <a:lnRef idx="1">
+            <a:schemeClr val="accent1"/>
+          </a:lnRef>
+          <a:fillRef idx="0">
+            <a:schemeClr val="accent1"/>
+          </a:fillRef>
+          <a:effectRef idx="0">
+            <a:schemeClr val="accent1"/>
+          </a:effectRef>
+          <a:fontRef idx="minor">
+            <a:schemeClr val="tx1"/>
+          </a:fontRef>
+        </p:style>
+      </p:cxnSp>
+      <p:cxnSp>
+        <p:nvCxnSpPr>
+          <p:cNvPr id="58" name="Connecteur droit 57"/>
+          <p:cNvCxnSpPr/>
+          <p:nvPr/>
+        </p:nvCxnSpPr>
+        <p:spPr>
+          <a:xfrm flipH="1">
+            <a:off x="4932040" y="2562251"/>
+            <a:ext cx="36004" cy="144016"/>
+          </a:xfrm>
+          <a:prstGeom prst="line">
+            <a:avLst/>
+          </a:prstGeom>
+          <a:ln w="28575">
+            <a:solidFill>
+              <a:schemeClr val="tx2"/>
+            </a:solidFill>
+          </a:ln>
+        </p:spPr>
+        <p:style>
+          <a:lnRef idx="1">
+            <a:schemeClr val="accent1"/>
+          </a:lnRef>
+          <a:fillRef idx="0">
+            <a:schemeClr val="accent1"/>
+          </a:fillRef>
+          <a:effectRef idx="0">
+            <a:schemeClr val="accent1"/>
+          </a:effectRef>
+          <a:fontRef idx="minor">
+            <a:schemeClr val="tx1"/>
+          </a:fontRef>
+        </p:style>
+      </p:cxnSp>
+      <p:cxnSp>
+        <p:nvCxnSpPr>
+          <p:cNvPr id="59" name="Connecteur droit 58"/>
+          <p:cNvCxnSpPr/>
+          <p:nvPr/>
+        </p:nvCxnSpPr>
+        <p:spPr>
+          <a:xfrm>
+            <a:off x="4977507" y="2562251"/>
+            <a:ext cx="72008" cy="288032"/>
+          </a:xfrm>
+          <a:prstGeom prst="line">
+            <a:avLst/>
+          </a:prstGeom>
+          <a:ln w="28575">
+            <a:solidFill>
+              <a:schemeClr val="tx2"/>
+            </a:solidFill>
+          </a:ln>
+        </p:spPr>
+        <p:style>
+          <a:lnRef idx="1">
+            <a:schemeClr val="accent1"/>
+          </a:lnRef>
+          <a:fillRef idx="0">
+            <a:schemeClr val="accent1"/>
+          </a:fillRef>
+          <a:effectRef idx="0">
+            <a:schemeClr val="accent1"/>
+          </a:effectRef>
+          <a:fontRef idx="minor">
+            <a:schemeClr val="tx1"/>
+          </a:fontRef>
+        </p:style>
+      </p:cxnSp>
+      <p:cxnSp>
+        <p:nvCxnSpPr>
+          <p:cNvPr id="60" name="Connecteur droit 59"/>
+          <p:cNvCxnSpPr/>
+          <p:nvPr/>
+        </p:nvCxnSpPr>
+        <p:spPr>
+          <a:xfrm flipV="1">
+            <a:off x="5049515" y="2562251"/>
+            <a:ext cx="72008" cy="288032"/>
+          </a:xfrm>
+          <a:prstGeom prst="line">
+            <a:avLst/>
+          </a:prstGeom>
+          <a:ln w="28575">
+            <a:solidFill>
+              <a:schemeClr val="tx2"/>
+            </a:solidFill>
+          </a:ln>
+        </p:spPr>
+        <p:style>
+          <a:lnRef idx="1">
+            <a:schemeClr val="accent1"/>
+          </a:lnRef>
+          <a:fillRef idx="0">
+            <a:schemeClr val="accent1"/>
+          </a:fillRef>
+          <a:effectRef idx="0">
+            <a:schemeClr val="accent1"/>
+          </a:effectRef>
+          <a:fontRef idx="minor">
+            <a:schemeClr val="tx1"/>
+          </a:fontRef>
+        </p:style>
+      </p:cxnSp>
+      <p:cxnSp>
+        <p:nvCxnSpPr>
+          <p:cNvPr id="61" name="Connecteur droit 60"/>
+          <p:cNvCxnSpPr/>
+          <p:nvPr/>
+        </p:nvCxnSpPr>
+        <p:spPr>
+          <a:xfrm>
+            <a:off x="5128828" y="2562251"/>
+            <a:ext cx="72008" cy="288032"/>
+          </a:xfrm>
+          <a:prstGeom prst="line">
+            <a:avLst/>
+          </a:prstGeom>
+          <a:ln w="28575">
+            <a:solidFill>
+              <a:schemeClr val="tx2"/>
+            </a:solidFill>
+          </a:ln>
+        </p:spPr>
+        <p:style>
+          <a:lnRef idx="1">
+            <a:schemeClr val="accent1"/>
+          </a:lnRef>
+          <a:fillRef idx="0">
+            <a:schemeClr val="accent1"/>
+          </a:fillRef>
+          <a:effectRef idx="0">
+            <a:schemeClr val="accent1"/>
+          </a:effectRef>
+          <a:fontRef idx="minor">
+            <a:schemeClr val="tx1"/>
+          </a:fontRef>
+        </p:style>
+      </p:cxnSp>
+      <p:cxnSp>
+        <p:nvCxnSpPr>
+          <p:cNvPr id="62" name="Connecteur droit 61"/>
+          <p:cNvCxnSpPr/>
+          <p:nvPr/>
+        </p:nvCxnSpPr>
+        <p:spPr>
+          <a:xfrm flipV="1">
+            <a:off x="5200836" y="2562251"/>
+            <a:ext cx="72008" cy="288032"/>
+          </a:xfrm>
+          <a:prstGeom prst="line">
+            <a:avLst/>
+          </a:prstGeom>
+          <a:ln w="28575">
+            <a:solidFill>
+              <a:schemeClr val="tx2"/>
+            </a:solidFill>
+          </a:ln>
+        </p:spPr>
+        <p:style>
+          <a:lnRef idx="1">
+            <a:schemeClr val="accent1"/>
+          </a:lnRef>
+          <a:fillRef idx="0">
+            <a:schemeClr val="accent1"/>
+          </a:fillRef>
+          <a:effectRef idx="0">
+            <a:schemeClr val="accent1"/>
+          </a:effectRef>
+          <a:fontRef idx="minor">
+            <a:schemeClr val="tx1"/>
+          </a:fontRef>
+        </p:style>
+      </p:cxnSp>
+      <p:cxnSp>
+        <p:nvCxnSpPr>
+          <p:cNvPr id="63" name="Connecteur droit 62"/>
+          <p:cNvCxnSpPr/>
+          <p:nvPr/>
+        </p:nvCxnSpPr>
+        <p:spPr>
+          <a:xfrm>
+            <a:off x="5272844" y="2562251"/>
+            <a:ext cx="72008" cy="288032"/>
+          </a:xfrm>
+          <a:prstGeom prst="line">
+            <a:avLst/>
+          </a:prstGeom>
+          <a:ln w="28575">
+            <a:solidFill>
+              <a:schemeClr val="tx2"/>
+            </a:solidFill>
+          </a:ln>
+        </p:spPr>
+        <p:style>
+          <a:lnRef idx="1">
+            <a:schemeClr val="accent1"/>
+          </a:lnRef>
+          <a:fillRef idx="0">
+            <a:schemeClr val="accent1"/>
+          </a:fillRef>
+          <a:effectRef idx="0">
+            <a:schemeClr val="accent1"/>
+          </a:effectRef>
+          <a:fontRef idx="minor">
+            <a:schemeClr val="tx1"/>
+          </a:fontRef>
+        </p:style>
+      </p:cxnSp>
+      <p:cxnSp>
+        <p:nvCxnSpPr>
+          <p:cNvPr id="64" name="Connecteur droit 63"/>
+          <p:cNvCxnSpPr/>
+          <p:nvPr/>
+        </p:nvCxnSpPr>
+        <p:spPr>
+          <a:xfrm flipV="1">
+            <a:off x="5344852" y="2562251"/>
+            <a:ext cx="72008" cy="288032"/>
+          </a:xfrm>
+          <a:prstGeom prst="line">
+            <a:avLst/>
+          </a:prstGeom>
+          <a:ln w="28575">
+            <a:solidFill>
+              <a:schemeClr val="tx2"/>
+            </a:solidFill>
+          </a:ln>
+        </p:spPr>
+        <p:style>
+          <a:lnRef idx="1">
+            <a:schemeClr val="accent1"/>
+          </a:lnRef>
+          <a:fillRef idx="0">
+            <a:schemeClr val="accent1"/>
+          </a:fillRef>
+          <a:effectRef idx="0">
+            <a:schemeClr val="accent1"/>
+          </a:effectRef>
+          <a:fontRef idx="minor">
+            <a:schemeClr val="tx1"/>
+          </a:fontRef>
+        </p:style>
+      </p:cxnSp>
+      <p:cxnSp>
+        <p:nvCxnSpPr>
+          <p:cNvPr id="65" name="Connecteur droit 64"/>
+          <p:cNvCxnSpPr/>
+          <p:nvPr/>
+        </p:nvCxnSpPr>
+        <p:spPr>
+          <a:xfrm>
+            <a:off x="5416860" y="2562251"/>
+            <a:ext cx="72008" cy="288032"/>
+          </a:xfrm>
+          <a:prstGeom prst="line">
+            <a:avLst/>
+          </a:prstGeom>
+          <a:ln w="28575">
+            <a:solidFill>
+              <a:schemeClr val="tx2"/>
+            </a:solidFill>
+          </a:ln>
+        </p:spPr>
+        <p:style>
+          <a:lnRef idx="1">
+            <a:schemeClr val="accent1"/>
+          </a:lnRef>
+          <a:fillRef idx="0">
+            <a:schemeClr val="accent1"/>
+          </a:fillRef>
+          <a:effectRef idx="0">
+            <a:schemeClr val="accent1"/>
+          </a:effectRef>
+          <a:fontRef idx="minor">
+            <a:schemeClr val="tx1"/>
+          </a:fontRef>
+        </p:style>
+      </p:cxnSp>
+      <p:cxnSp>
+        <p:nvCxnSpPr>
+          <p:cNvPr id="66" name="Connecteur droit 65"/>
+          <p:cNvCxnSpPr/>
+          <p:nvPr/>
+        </p:nvCxnSpPr>
+        <p:spPr>
+          <a:xfrm flipV="1">
+            <a:off x="5488868" y="2562251"/>
+            <a:ext cx="72008" cy="288032"/>
+          </a:xfrm>
+          <a:prstGeom prst="line">
+            <a:avLst/>
+          </a:prstGeom>
+          <a:ln w="28575">
+            <a:solidFill>
+              <a:schemeClr val="tx2"/>
+            </a:solidFill>
+          </a:ln>
+        </p:spPr>
+        <p:style>
+          <a:lnRef idx="1">
+            <a:schemeClr val="accent1"/>
+          </a:lnRef>
+          <a:fillRef idx="0">
+            <a:schemeClr val="accent1"/>
+          </a:fillRef>
+          <a:effectRef idx="0">
+            <a:schemeClr val="accent1"/>
+          </a:effectRef>
+          <a:fontRef idx="minor">
+            <a:schemeClr val="tx1"/>
+          </a:fontRef>
+        </p:style>
+      </p:cxnSp>
+      <p:cxnSp>
+        <p:nvCxnSpPr>
+          <p:cNvPr id="67" name="Connecteur droit 66"/>
+          <p:cNvCxnSpPr/>
+          <p:nvPr/>
+        </p:nvCxnSpPr>
+        <p:spPr>
+          <a:xfrm>
+            <a:off x="5560876" y="2562251"/>
+            <a:ext cx="72008" cy="288032"/>
+          </a:xfrm>
+          <a:prstGeom prst="line">
+            <a:avLst/>
+          </a:prstGeom>
+          <a:ln w="28575">
+            <a:solidFill>
+              <a:schemeClr val="tx2"/>
+            </a:solidFill>
+          </a:ln>
+        </p:spPr>
+        <p:style>
+          <a:lnRef idx="1">
+            <a:schemeClr val="accent1"/>
+          </a:lnRef>
+          <a:fillRef idx="0">
+            <a:schemeClr val="accent1"/>
+          </a:fillRef>
+          <a:effectRef idx="0">
+            <a:schemeClr val="accent1"/>
+          </a:effectRef>
+          <a:fontRef idx="minor">
+            <a:schemeClr val="tx1"/>
+          </a:fontRef>
+        </p:style>
+      </p:cxnSp>
+      <p:cxnSp>
+        <p:nvCxnSpPr>
+          <p:cNvPr id="68" name="Connecteur droit 67"/>
+          <p:cNvCxnSpPr/>
+          <p:nvPr/>
+        </p:nvCxnSpPr>
+        <p:spPr>
+          <a:xfrm flipV="1">
+            <a:off x="5632884" y="2562251"/>
+            <a:ext cx="72008" cy="288032"/>
+          </a:xfrm>
+          <a:prstGeom prst="line">
+            <a:avLst/>
+          </a:prstGeom>
+          <a:ln w="28575">
+            <a:solidFill>
+              <a:schemeClr val="tx2"/>
+            </a:solidFill>
+          </a:ln>
+        </p:spPr>
+        <p:style>
+          <a:lnRef idx="1">
+            <a:schemeClr val="accent1"/>
+          </a:lnRef>
+          <a:fillRef idx="0">
+            <a:schemeClr val="accent1"/>
+          </a:fillRef>
+          <a:effectRef idx="0">
+            <a:schemeClr val="accent1"/>
+          </a:effectRef>
+          <a:fontRef idx="minor">
+            <a:schemeClr val="tx1"/>
+          </a:fontRef>
+        </p:style>
+      </p:cxnSp>
+      <p:cxnSp>
+        <p:nvCxnSpPr>
+          <p:cNvPr id="69" name="Connecteur droit 68"/>
+          <p:cNvCxnSpPr/>
+          <p:nvPr/>
+        </p:nvCxnSpPr>
+        <p:spPr>
+          <a:xfrm>
+            <a:off x="5705308" y="2567882"/>
+            <a:ext cx="36004" cy="144016"/>
+          </a:xfrm>
+          <a:prstGeom prst="line">
+            <a:avLst/>
+          </a:prstGeom>
+          <a:ln w="28575">
+            <a:solidFill>
+              <a:schemeClr val="tx2"/>
+            </a:solidFill>
+          </a:ln>
+        </p:spPr>
+        <p:style>
+          <a:lnRef idx="1">
+            <a:schemeClr val="accent1"/>
+          </a:lnRef>
+          <a:fillRef idx="0">
+            <a:schemeClr val="accent1"/>
+          </a:fillRef>
+          <a:effectRef idx="0">
+            <a:schemeClr val="accent1"/>
+          </a:effectRef>
+          <a:fontRef idx="minor">
+            <a:schemeClr val="tx1"/>
+          </a:fontRef>
+        </p:style>
+      </p:cxnSp>
+      <p:cxnSp>
+        <p:nvCxnSpPr>
+          <p:cNvPr id="70" name="Connecteur droit 69"/>
+          <p:cNvCxnSpPr/>
+          <p:nvPr/>
+        </p:nvCxnSpPr>
+        <p:spPr>
+          <a:xfrm flipH="1">
+            <a:off x="5741312" y="2706267"/>
+            <a:ext cx="270848" cy="0"/>
+          </a:xfrm>
+          <a:prstGeom prst="line">
+            <a:avLst/>
+          </a:prstGeom>
+          <a:ln w="28575">
+            <a:solidFill>
+              <a:schemeClr val="tx2"/>
+            </a:solidFill>
+          </a:ln>
+        </p:spPr>
+        <p:style>
+          <a:lnRef idx="1">
+            <a:schemeClr val="accent1"/>
+          </a:lnRef>
+          <a:fillRef idx="0">
+            <a:schemeClr val="accent1"/>
+          </a:fillRef>
+          <a:effectRef idx="0">
+            <a:schemeClr val="accent1"/>
+          </a:effectRef>
+          <a:fontRef idx="minor">
+            <a:schemeClr val="tx1"/>
+          </a:fontRef>
+        </p:style>
+      </p:cxnSp>
+      <p:cxnSp>
+        <p:nvCxnSpPr>
+          <p:cNvPr id="71" name="Connecteur droit 70"/>
+          <p:cNvCxnSpPr/>
+          <p:nvPr/>
+        </p:nvCxnSpPr>
+        <p:spPr>
+          <a:xfrm>
+            <a:off x="4572000" y="3426347"/>
+            <a:ext cx="552474" cy="0"/>
+          </a:xfrm>
+          <a:prstGeom prst="line">
+            <a:avLst/>
+          </a:prstGeom>
+          <a:ln w="28575">
+            <a:solidFill>
+              <a:schemeClr val="tx2"/>
+            </a:solidFill>
+          </a:ln>
+        </p:spPr>
+        <p:style>
+          <a:lnRef idx="1">
+            <a:schemeClr val="accent1"/>
+          </a:lnRef>
+          <a:fillRef idx="0">
+            <a:schemeClr val="accent1"/>
+          </a:fillRef>
+          <a:effectRef idx="0">
+            <a:schemeClr val="accent1"/>
+          </a:effectRef>
+          <a:fontRef idx="minor">
+            <a:schemeClr val="tx1"/>
+          </a:fontRef>
+        </p:style>
+      </p:cxnSp>
+      <p:cxnSp>
+        <p:nvCxnSpPr>
+          <p:cNvPr id="72" name="Connecteur droit 71"/>
+          <p:cNvCxnSpPr/>
+          <p:nvPr/>
+        </p:nvCxnSpPr>
+        <p:spPr>
+          <a:xfrm>
+            <a:off x="5128828" y="3287093"/>
+            <a:ext cx="0" cy="288032"/>
+          </a:xfrm>
+          <a:prstGeom prst="line">
+            <a:avLst/>
+          </a:prstGeom>
+          <a:ln w="28575">
+            <a:solidFill>
+              <a:schemeClr val="tx2"/>
+            </a:solidFill>
+          </a:ln>
+        </p:spPr>
+        <p:style>
+          <a:lnRef idx="1">
+            <a:schemeClr val="accent1"/>
+          </a:lnRef>
+          <a:fillRef idx="0">
+            <a:schemeClr val="accent1"/>
+          </a:fillRef>
+          <a:effectRef idx="0">
+            <a:schemeClr val="accent1"/>
+          </a:effectRef>
+          <a:fontRef idx="minor">
+            <a:schemeClr val="tx1"/>
+          </a:fontRef>
+        </p:style>
+      </p:cxnSp>
+      <p:cxnSp>
+        <p:nvCxnSpPr>
+          <p:cNvPr id="73" name="Connecteur droit 72"/>
+          <p:cNvCxnSpPr/>
+          <p:nvPr/>
+        </p:nvCxnSpPr>
+        <p:spPr>
+          <a:xfrm>
+            <a:off x="5298777" y="3354339"/>
+            <a:ext cx="0" cy="144016"/>
+          </a:xfrm>
+          <a:prstGeom prst="line">
+            <a:avLst/>
+          </a:prstGeom>
+          <a:ln w="28575">
+            <a:solidFill>
+              <a:schemeClr val="tx2"/>
+            </a:solidFill>
+          </a:ln>
+        </p:spPr>
+        <p:style>
+          <a:lnRef idx="1">
+            <a:schemeClr val="accent1"/>
+          </a:lnRef>
+          <a:fillRef idx="0">
+            <a:schemeClr val="accent1"/>
+          </a:fillRef>
+          <a:effectRef idx="0">
+            <a:schemeClr val="accent1"/>
+          </a:effectRef>
+          <a:fontRef idx="minor">
+            <a:schemeClr val="tx1"/>
+          </a:fontRef>
+        </p:style>
+      </p:cxnSp>
+      <p:cxnSp>
+        <p:nvCxnSpPr>
+          <p:cNvPr id="74" name="Connecteur droit 73"/>
+          <p:cNvCxnSpPr/>
+          <p:nvPr/>
+        </p:nvCxnSpPr>
+        <p:spPr>
+          <a:xfrm>
+            <a:off x="5121523" y="3282331"/>
+            <a:ext cx="314573" cy="0"/>
+          </a:xfrm>
+          <a:prstGeom prst="line">
+            <a:avLst/>
+          </a:prstGeom>
+          <a:ln w="28575">
+            <a:solidFill>
+              <a:schemeClr val="tx2"/>
+            </a:solidFill>
+          </a:ln>
+        </p:spPr>
+        <p:style>
+          <a:lnRef idx="1">
+            <a:schemeClr val="accent1"/>
+          </a:lnRef>
+          <a:fillRef idx="0">
+            <a:schemeClr val="accent1"/>
+          </a:fillRef>
+          <a:effectRef idx="0">
+            <a:schemeClr val="accent1"/>
+          </a:effectRef>
+          <a:fontRef idx="minor">
+            <a:schemeClr val="tx1"/>
+          </a:fontRef>
+        </p:style>
+      </p:cxnSp>
+      <p:cxnSp>
+        <p:nvCxnSpPr>
+          <p:cNvPr id="75" name="Connecteur droit 74"/>
+          <p:cNvCxnSpPr/>
+          <p:nvPr/>
+        </p:nvCxnSpPr>
+        <p:spPr>
+          <a:xfrm>
+            <a:off x="5298777" y="3426347"/>
+            <a:ext cx="713383" cy="0"/>
+          </a:xfrm>
+          <a:prstGeom prst="line">
+            <a:avLst/>
+          </a:prstGeom>
+          <a:ln w="28575">
+            <a:solidFill>
+              <a:schemeClr val="tx2"/>
+            </a:solidFill>
+          </a:ln>
+        </p:spPr>
+        <p:style>
+          <a:lnRef idx="1">
+            <a:schemeClr val="accent1"/>
+          </a:lnRef>
+          <a:fillRef idx="0">
+            <a:schemeClr val="accent1"/>
+          </a:fillRef>
+          <a:effectRef idx="0">
+            <a:schemeClr val="accent1"/>
+          </a:effectRef>
+          <a:fontRef idx="minor">
+            <a:schemeClr val="tx1"/>
+          </a:fontRef>
+        </p:style>
+      </p:cxnSp>
+      <p:cxnSp>
+        <p:nvCxnSpPr>
+          <p:cNvPr id="76" name="Connecteur droit 75"/>
+          <p:cNvCxnSpPr/>
+          <p:nvPr/>
+        </p:nvCxnSpPr>
+        <p:spPr>
+          <a:xfrm>
+            <a:off x="5124474" y="3570363"/>
+            <a:ext cx="314573" cy="0"/>
+          </a:xfrm>
+          <a:prstGeom prst="line">
+            <a:avLst/>
+          </a:prstGeom>
+          <a:ln w="28575">
+            <a:solidFill>
+              <a:schemeClr val="tx2"/>
+            </a:solidFill>
+          </a:ln>
+        </p:spPr>
+        <p:style>
+          <a:lnRef idx="1">
+            <a:schemeClr val="accent1"/>
+          </a:lnRef>
+          <a:fillRef idx="0">
+            <a:schemeClr val="accent1"/>
+          </a:fillRef>
+          <a:effectRef idx="0">
+            <a:schemeClr val="accent1"/>
+          </a:effectRef>
+          <a:fontRef idx="minor">
+            <a:schemeClr val="tx1"/>
+          </a:fontRef>
+        </p:style>
+      </p:cxnSp>
+      <mc:AlternateContent xmlns:mc="http://schemas.openxmlformats.org/markup-compatibility/2006">
+        <mc:Choice xmlns:a14="http://schemas.microsoft.com/office/drawing/2010/main" Requires="a14">
+          <p:sp>
+            <p:nvSpPr>
+              <p:cNvPr id="77" name="Rectangle 76"/>
+              <p:cNvSpPr/>
+              <p:nvPr/>
+            </p:nvSpPr>
+            <p:spPr>
+              <a:xfrm>
+                <a:off x="6012160" y="2562251"/>
+                <a:ext cx="720080" cy="1012874"/>
+              </a:xfrm>
+              <a:prstGeom prst="rect">
+                <a:avLst/>
+              </a:prstGeom>
+              <a:noFill/>
+            </p:spPr>
+            <p:style>
+              <a:lnRef idx="2">
+                <a:schemeClr val="accent1">
+                  <a:shade val="50000"/>
+                </a:schemeClr>
+              </a:lnRef>
+              <a:fillRef idx="1">
+                <a:schemeClr val="accent1"/>
+              </a:fillRef>
+              <a:effectRef idx="0">
+                <a:schemeClr val="accent1"/>
+              </a:effectRef>
+              <a:fontRef idx="minor">
+                <a:schemeClr val="lt1"/>
+              </a:fontRef>
+            </p:style>
+            <p:txBody>
+              <a:bodyPr rtlCol="0" anchor="ctr"/>
+              <a:lstStyle/>
+              <a:p>
+                <a:pPr algn="ctr"/>
+                <a14:m>
+                  <m:oMathPara xmlns:m="http://schemas.openxmlformats.org/officeDocument/2006/math">
+                    <m:oMathParaPr>
+                      <m:jc m:val="centerGroup"/>
+                    </m:oMathParaPr>
+                    <m:oMath xmlns:m="http://schemas.openxmlformats.org/officeDocument/2006/math">
+                      <m:r>
+                        <a:rPr lang="fr-FR" b="0" i="1" smtClean="0">
+                          <a:solidFill>
+                            <a:schemeClr val="tx1"/>
+                          </a:solidFill>
+                          <a:latin typeface="Cambria Math"/>
+                        </a:rPr>
+                        <m:t>𝑚</m:t>
+                      </m:r>
+                    </m:oMath>
+                  </m:oMathPara>
+                </a14:m>
+                <a:endParaRPr lang="fr-FR" dirty="0"/>
+              </a:p>
+            </p:txBody>
+          </p:sp>
+        </mc:Choice>
+        <mc:Fallback>
+          <p:sp>
+            <p:nvSpPr>
+              <p:cNvPr id="77" name="Rectangle 76"/>
+              <p:cNvSpPr>
+                <a:spLocks noRot="1" noChangeAspect="1" noMove="1" noResize="1" noEditPoints="1" noAdjustHandles="1" noChangeArrowheads="1" noChangeShapeType="1" noTextEdit="1"/>
+              </p:cNvSpPr>
+              <p:nvPr/>
+            </p:nvSpPr>
+            <p:spPr>
+              <a:xfrm>
+                <a:off x="6012160" y="2562251"/>
+                <a:ext cx="720080" cy="1012874"/>
+              </a:xfrm>
+              <a:prstGeom prst="rect">
+                <a:avLst/>
+              </a:prstGeom>
+              <a:blipFill rotWithShape="1">
+                <a:blip r:embed="rId3"/>
+                <a:stretch>
+                  <a:fillRect/>
+                </a:stretch>
+              </a:blipFill>
+            </p:spPr>
+            <p:txBody>
+              <a:bodyPr/>
+              <a:lstStyle/>
+              <a:p>
+                <a:r>
+                  <a:rPr lang="fr-FR">
+                    <a:noFill/>
+                  </a:rPr>
+                  <a:t> </a:t>
+                </a:r>
+              </a:p>
+            </p:txBody>
+          </p:sp>
+        </mc:Fallback>
+      </mc:AlternateContent>
+      <mc:AlternateContent xmlns:mc="http://schemas.openxmlformats.org/markup-compatibility/2006">
+        <mc:Choice xmlns:a14="http://schemas.microsoft.com/office/drawing/2010/main" Requires="a14">
+          <p:sp>
+            <p:nvSpPr>
+              <p:cNvPr id="80" name="Rectangle 79"/>
+              <p:cNvSpPr/>
+              <p:nvPr/>
+            </p:nvSpPr>
+            <p:spPr>
+              <a:xfrm>
+                <a:off x="2213587" y="2192919"/>
+                <a:ext cx="370934" cy="369332"/>
+              </a:xfrm>
+              <a:prstGeom prst="rect">
+                <a:avLst/>
+              </a:prstGeom>
+            </p:spPr>
+            <p:txBody>
+              <a:bodyPr wrap="none">
+                <a:spAutoFit/>
+              </a:bodyPr>
+              <a:lstStyle/>
+              <a:p>
+                <a:pPr/>
+                <a14:m>
+                  <m:oMathPara xmlns:m="http://schemas.openxmlformats.org/officeDocument/2006/math">
+                    <m:oMathParaPr>
+                      <m:jc m:val="centerGroup"/>
+                    </m:oMathParaPr>
+                    <m:oMath xmlns:m="http://schemas.openxmlformats.org/officeDocument/2006/math">
+                      <m:r>
+                        <a:rPr lang="fr-FR" i="1" smtClean="0">
+                          <a:latin typeface="Cambria Math"/>
+                        </a:rPr>
+                        <m:t>𝑘</m:t>
+                      </m:r>
+                    </m:oMath>
+                  </m:oMathPara>
+                </a14:m>
+                <a:endParaRPr lang="fr-FR" dirty="0"/>
+              </a:p>
+            </p:txBody>
+          </p:sp>
+        </mc:Choice>
+        <mc:Fallback>
+          <p:sp>
+            <p:nvSpPr>
+              <p:cNvPr id="80" name="Rectangle 79"/>
+              <p:cNvSpPr>
+                <a:spLocks noRot="1" noChangeAspect="1" noMove="1" noResize="1" noEditPoints="1" noAdjustHandles="1" noChangeArrowheads="1" noChangeShapeType="1" noTextEdit="1"/>
+              </p:cNvSpPr>
+              <p:nvPr/>
+            </p:nvSpPr>
+            <p:spPr>
+              <a:xfrm>
+                <a:off x="2213587" y="2192919"/>
+                <a:ext cx="370934" cy="369332"/>
+              </a:xfrm>
+              <a:prstGeom prst="rect">
+                <a:avLst/>
+              </a:prstGeom>
+              <a:blipFill rotWithShape="1">
+                <a:blip r:embed="rId4"/>
+                <a:stretch>
+                  <a:fillRect/>
+                </a:stretch>
+              </a:blipFill>
+            </p:spPr>
+            <p:txBody>
+              <a:bodyPr/>
+              <a:lstStyle/>
+              <a:p>
+                <a:r>
+                  <a:rPr lang="fr-FR">
+                    <a:noFill/>
+                  </a:rPr>
+                  <a:t> </a:t>
+                </a:r>
+              </a:p>
+            </p:txBody>
+          </p:sp>
+        </mc:Fallback>
+      </mc:AlternateContent>
+      <mc:AlternateContent xmlns:mc="http://schemas.openxmlformats.org/markup-compatibility/2006">
+        <mc:Choice xmlns:a14="http://schemas.microsoft.com/office/drawing/2010/main" Requires="a14">
+          <p:sp>
+            <p:nvSpPr>
+              <p:cNvPr id="81" name="Rectangle 80"/>
+              <p:cNvSpPr/>
+              <p:nvPr/>
+            </p:nvSpPr>
+            <p:spPr>
+              <a:xfrm>
+                <a:off x="2169195" y="3577778"/>
+                <a:ext cx="350673" cy="369332"/>
+              </a:xfrm>
+              <a:prstGeom prst="rect">
+                <a:avLst/>
+              </a:prstGeom>
+            </p:spPr>
+            <p:txBody>
+              <a:bodyPr wrap="none">
+                <a:spAutoFit/>
+              </a:bodyPr>
+              <a:lstStyle/>
+              <a:p>
+                <a:pPr/>
+                <a14:m>
+                  <m:oMathPara xmlns:m="http://schemas.openxmlformats.org/officeDocument/2006/math">
+                    <m:oMathParaPr>
+                      <m:jc m:val="centerGroup"/>
+                    </m:oMathParaPr>
+                    <m:oMath xmlns:m="http://schemas.openxmlformats.org/officeDocument/2006/math">
+                      <m:r>
+                        <a:rPr lang="fr-FR" b="0" i="1" smtClean="0">
+                          <a:latin typeface="Cambria Math"/>
+                        </a:rPr>
+                        <m:t>𝑐</m:t>
+                      </m:r>
+                    </m:oMath>
+                  </m:oMathPara>
+                </a14:m>
+                <a:endParaRPr lang="fr-FR" dirty="0"/>
+              </a:p>
+            </p:txBody>
+          </p:sp>
+        </mc:Choice>
+        <mc:Fallback>
+          <p:sp>
+            <p:nvSpPr>
+              <p:cNvPr id="81" name="Rectangle 80"/>
+              <p:cNvSpPr>
+                <a:spLocks noRot="1" noChangeAspect="1" noMove="1" noResize="1" noEditPoints="1" noAdjustHandles="1" noChangeArrowheads="1" noChangeShapeType="1" noTextEdit="1"/>
+              </p:cNvSpPr>
+              <p:nvPr/>
+            </p:nvSpPr>
+            <p:spPr>
+              <a:xfrm>
+                <a:off x="2169195" y="3577778"/>
+                <a:ext cx="350673" cy="369332"/>
+              </a:xfrm>
+              <a:prstGeom prst="rect">
+                <a:avLst/>
+              </a:prstGeom>
+              <a:blipFill rotWithShape="1">
+                <a:blip r:embed="rId5"/>
+                <a:stretch>
+                  <a:fillRect/>
+                </a:stretch>
+              </a:blipFill>
+            </p:spPr>
+            <p:txBody>
+              <a:bodyPr/>
+              <a:lstStyle/>
+              <a:p>
+                <a:r>
+                  <a:rPr lang="fr-FR">
+                    <a:noFill/>
+                  </a:rPr>
+                  <a:t> </a:t>
+                </a:r>
+              </a:p>
+            </p:txBody>
+          </p:sp>
+        </mc:Fallback>
+      </mc:AlternateContent>
+      <mc:AlternateContent xmlns:mc="http://schemas.openxmlformats.org/markup-compatibility/2006">
+        <mc:Choice xmlns:a14="http://schemas.microsoft.com/office/drawing/2010/main" Requires="a14">
+          <p:sp>
+            <p:nvSpPr>
+              <p:cNvPr id="82" name="Rectangle 81"/>
+              <p:cNvSpPr/>
+              <p:nvPr/>
+            </p:nvSpPr>
+            <p:spPr>
+              <a:xfrm>
+                <a:off x="5094658" y="2181872"/>
+                <a:ext cx="370935" cy="369332"/>
+              </a:xfrm>
+              <a:prstGeom prst="rect">
+                <a:avLst/>
+              </a:prstGeom>
+            </p:spPr>
+            <p:txBody>
+              <a:bodyPr wrap="none">
+                <a:spAutoFit/>
+              </a:bodyPr>
+              <a:lstStyle/>
+              <a:p>
+                <a:pPr/>
+                <a14:m>
+                  <m:oMathPara xmlns:m="http://schemas.openxmlformats.org/officeDocument/2006/math">
+                    <m:oMathParaPr>
+                      <m:jc m:val="centerGroup"/>
+                    </m:oMathParaPr>
+                    <m:oMath xmlns:m="http://schemas.openxmlformats.org/officeDocument/2006/math">
+                      <m:r>
+                        <a:rPr lang="fr-FR" i="1" smtClean="0">
+                          <a:latin typeface="Cambria Math"/>
+                        </a:rPr>
+                        <m:t>𝑘</m:t>
+                      </m:r>
+                    </m:oMath>
+                  </m:oMathPara>
+                </a14:m>
+                <a:endParaRPr lang="fr-FR" dirty="0"/>
+              </a:p>
+            </p:txBody>
+          </p:sp>
+        </mc:Choice>
+        <mc:Fallback>
+          <p:sp>
+            <p:nvSpPr>
+              <p:cNvPr id="82" name="Rectangle 81"/>
+              <p:cNvSpPr>
+                <a:spLocks noRot="1" noChangeAspect="1" noMove="1" noResize="1" noEditPoints="1" noAdjustHandles="1" noChangeArrowheads="1" noChangeShapeType="1" noTextEdit="1"/>
+              </p:cNvSpPr>
+              <p:nvPr/>
+            </p:nvSpPr>
+            <p:spPr>
+              <a:xfrm>
+                <a:off x="5094658" y="2181872"/>
+                <a:ext cx="370935" cy="369332"/>
+              </a:xfrm>
+              <a:prstGeom prst="rect">
+                <a:avLst/>
+              </a:prstGeom>
+              <a:blipFill rotWithShape="1">
+                <a:blip r:embed="rId6"/>
+                <a:stretch>
+                  <a:fillRect/>
+                </a:stretch>
+              </a:blipFill>
+            </p:spPr>
+            <p:txBody>
+              <a:bodyPr/>
+              <a:lstStyle/>
+              <a:p>
+                <a:r>
+                  <a:rPr lang="fr-FR">
+                    <a:noFill/>
+                  </a:rPr>
+                  <a:t> </a:t>
+                </a:r>
+              </a:p>
+            </p:txBody>
+          </p:sp>
+        </mc:Fallback>
+      </mc:AlternateContent>
+      <mc:AlternateContent xmlns:mc="http://schemas.openxmlformats.org/markup-compatibility/2006">
+        <mc:Choice xmlns:a14="http://schemas.microsoft.com/office/drawing/2010/main" Requires="a14">
+          <p:sp>
+            <p:nvSpPr>
+              <p:cNvPr id="83" name="Rectangle 82"/>
+              <p:cNvSpPr/>
+              <p:nvPr/>
+            </p:nvSpPr>
+            <p:spPr>
+              <a:xfrm>
+                <a:off x="5050266" y="3566731"/>
+                <a:ext cx="350673" cy="369332"/>
+              </a:xfrm>
+              <a:prstGeom prst="rect">
+                <a:avLst/>
+              </a:prstGeom>
+            </p:spPr>
+            <p:txBody>
+              <a:bodyPr wrap="none">
+                <a:spAutoFit/>
+              </a:bodyPr>
+              <a:lstStyle/>
+              <a:p>
+                <a:pPr/>
+                <a14:m>
+                  <m:oMathPara xmlns:m="http://schemas.openxmlformats.org/officeDocument/2006/math">
+                    <m:oMathParaPr>
+                      <m:jc m:val="centerGroup"/>
+                    </m:oMathParaPr>
+                    <m:oMath xmlns:m="http://schemas.openxmlformats.org/officeDocument/2006/math">
+                      <m:r>
+                        <a:rPr lang="fr-FR" i="1" smtClean="0">
+                          <a:latin typeface="Cambria Math"/>
+                        </a:rPr>
+                        <m:t>𝑐</m:t>
+                      </m:r>
+                    </m:oMath>
+                  </m:oMathPara>
+                </a14:m>
+                <a:endParaRPr lang="fr-FR" dirty="0"/>
+              </a:p>
+            </p:txBody>
+          </p:sp>
+        </mc:Choice>
+        <mc:Fallback>
+          <p:sp>
+            <p:nvSpPr>
+              <p:cNvPr id="83" name="Rectangle 82"/>
+              <p:cNvSpPr>
+                <a:spLocks noRot="1" noChangeAspect="1" noMove="1" noResize="1" noEditPoints="1" noAdjustHandles="1" noChangeArrowheads="1" noChangeShapeType="1" noTextEdit="1"/>
+              </p:cNvSpPr>
+              <p:nvPr/>
+            </p:nvSpPr>
+            <p:spPr>
+              <a:xfrm>
+                <a:off x="5050266" y="3566731"/>
+                <a:ext cx="350673" cy="369332"/>
+              </a:xfrm>
+              <a:prstGeom prst="rect">
+                <a:avLst/>
+              </a:prstGeom>
+              <a:blipFill rotWithShape="1">
+                <a:blip r:embed="rId7"/>
+                <a:stretch>
+                  <a:fillRect/>
+                </a:stretch>
+              </a:blipFill>
+            </p:spPr>
+            <p:txBody>
+              <a:bodyPr/>
+              <a:lstStyle/>
+              <a:p>
+                <a:r>
+                  <a:rPr lang="fr-FR">
+                    <a:noFill/>
+                  </a:rPr>
+                  <a:t> </a:t>
+                </a:r>
+              </a:p>
+            </p:txBody>
+          </p:sp>
+        </mc:Fallback>
+      </mc:AlternateContent>
+      <p:cxnSp>
+        <p:nvCxnSpPr>
+          <p:cNvPr id="84" name="Connecteur droit 83"/>
+          <p:cNvCxnSpPr/>
+          <p:nvPr/>
+        </p:nvCxnSpPr>
+        <p:spPr>
+          <a:xfrm>
+            <a:off x="3491880" y="2213136"/>
+            <a:ext cx="360040" cy="0"/>
+          </a:xfrm>
+          <a:prstGeom prst="line">
+            <a:avLst/>
+          </a:prstGeom>
+          <a:ln w="19050">
+            <a:solidFill>
+              <a:schemeClr val="tx2"/>
+            </a:solidFill>
+            <a:tailEnd type="stealth" w="med" len="lg"/>
+          </a:ln>
+        </p:spPr>
+        <p:style>
+          <a:lnRef idx="1">
+            <a:schemeClr val="accent1"/>
+          </a:lnRef>
+          <a:fillRef idx="0">
+            <a:schemeClr val="accent1"/>
+          </a:fillRef>
+          <a:effectRef idx="0">
+            <a:schemeClr val="accent1"/>
+          </a:effectRef>
+          <a:fontRef idx="minor">
+            <a:schemeClr val="tx1"/>
+          </a:fontRef>
+        </p:style>
+      </p:cxnSp>
+      <p:cxnSp>
+        <p:nvCxnSpPr>
+          <p:cNvPr id="85" name="Connecteur droit 84"/>
+          <p:cNvCxnSpPr>
+            <a:stCxn id="54" idx="0"/>
+          </p:cNvCxnSpPr>
+          <p:nvPr/>
+        </p:nvCxnSpPr>
+        <p:spPr>
+          <a:xfrm flipV="1">
+            <a:off x="3491880" y="2168860"/>
+            <a:ext cx="0" cy="396044"/>
+          </a:xfrm>
+          <a:prstGeom prst="line">
+            <a:avLst/>
+          </a:prstGeom>
+          <a:ln w="19050">
+            <a:solidFill>
+              <a:schemeClr val="tx2"/>
+            </a:solidFill>
+            <a:tailEnd type="none" w="med" len="lg"/>
+          </a:ln>
+        </p:spPr>
+        <p:style>
+          <a:lnRef idx="1">
+            <a:schemeClr val="accent1"/>
+          </a:lnRef>
+          <a:fillRef idx="0">
+            <a:schemeClr val="accent1"/>
+          </a:fillRef>
+          <a:effectRef idx="0">
+            <a:schemeClr val="accent1"/>
+          </a:effectRef>
+          <a:fontRef idx="minor">
+            <a:schemeClr val="tx1"/>
+          </a:fontRef>
+        </p:style>
+      </p:cxnSp>
+      <mc:AlternateContent xmlns:mc="http://schemas.openxmlformats.org/markup-compatibility/2006" xmlns:a14="http://schemas.microsoft.com/office/drawing/2010/main">
+        <mc:Choice Requires="a14">
+          <p:sp>
+            <p:nvSpPr>
+              <p:cNvPr id="89" name="Rectangle 88"/>
+              <p:cNvSpPr/>
+              <p:nvPr/>
+            </p:nvSpPr>
+            <p:spPr>
+              <a:xfrm>
+                <a:off x="3436130" y="1799528"/>
+                <a:ext cx="762003" cy="369332"/>
+              </a:xfrm>
+              <a:prstGeom prst="rect">
+                <a:avLst/>
+              </a:prstGeom>
+            </p:spPr>
+            <p:txBody>
+              <a:bodyPr wrap="none">
+                <a:spAutoFit/>
+              </a:bodyPr>
+              <a:lstStyle/>
+              <a:p>
+                <a:pPr/>
+                <a14:m>
+                  <m:oMathPara xmlns:m="http://schemas.openxmlformats.org/officeDocument/2006/math">
+                    <m:oMathParaPr>
+                      <m:jc m:val="centerGroup"/>
+                    </m:oMathParaPr>
+                    <m:oMath xmlns:m="http://schemas.openxmlformats.org/officeDocument/2006/math">
+                      <m:sSub>
+                        <m:sSubPr>
+                          <m:ctrlPr>
+                            <a:rPr lang="fr-FR" i="1" smtClean="0">
+                              <a:latin typeface="Cambria Math"/>
+                            </a:rPr>
+                          </m:ctrlPr>
+                        </m:sSubPr>
+                        <m:e>
+                          <m:r>
+                            <a:rPr lang="fr-FR" b="0" i="1" smtClean="0">
+                              <a:latin typeface="Cambria Math"/>
+                            </a:rPr>
+                            <m:t>𝑢</m:t>
+                          </m:r>
+                        </m:e>
+                        <m:sub>
+                          <m:r>
+                            <a:rPr lang="fr-FR" b="0" i="1" smtClean="0">
+                              <a:latin typeface="Cambria Math"/>
+                            </a:rPr>
+                            <m:t>1</m:t>
+                          </m:r>
+                        </m:sub>
+                      </m:sSub>
+                      <m:r>
+                        <a:rPr lang="fr-FR" b="0" i="1" smtClean="0">
+                          <a:latin typeface="Cambria Math"/>
+                        </a:rPr>
+                        <m:t>(</m:t>
+                      </m:r>
+                      <m:r>
+                        <a:rPr lang="fr-FR" b="0" i="1" smtClean="0">
+                          <a:latin typeface="Cambria Math"/>
+                        </a:rPr>
+                        <m:t>𝑡</m:t>
+                      </m:r>
+                      <m:r>
+                        <a:rPr lang="fr-FR" b="0" i="1" smtClean="0">
+                          <a:latin typeface="Cambria Math"/>
+                        </a:rPr>
+                        <m:t>)</m:t>
+                      </m:r>
+                    </m:oMath>
+                  </m:oMathPara>
+                </a14:m>
+                <a:endParaRPr lang="fr-FR" dirty="0"/>
+              </a:p>
+            </p:txBody>
+          </p:sp>
+        </mc:Choice>
+        <mc:Fallback xmlns="">
+          <p:sp>
+            <p:nvSpPr>
+              <p:cNvPr id="89" name="Rectangle 88"/>
+              <p:cNvSpPr>
+                <a:spLocks noRot="1" noChangeAspect="1" noMove="1" noResize="1" noEditPoints="1" noAdjustHandles="1" noChangeArrowheads="1" noChangeShapeType="1" noTextEdit="1"/>
+              </p:cNvSpPr>
+              <p:nvPr/>
+            </p:nvSpPr>
+            <p:spPr>
+              <a:xfrm>
+                <a:off x="3436130" y="1799528"/>
+                <a:ext cx="762003" cy="369332"/>
+              </a:xfrm>
+              <a:prstGeom prst="rect">
+                <a:avLst/>
+              </a:prstGeom>
+              <a:blipFill rotWithShape="1">
+                <a:blip r:embed="rId8"/>
+                <a:stretch>
+                  <a:fillRect b="-11475"/>
+                </a:stretch>
+              </a:blipFill>
+            </p:spPr>
+            <p:txBody>
+              <a:bodyPr/>
+              <a:lstStyle/>
+              <a:p>
+                <a:r>
+                  <a:rPr lang="fr-FR">
+                    <a:noFill/>
+                  </a:rPr>
+                  <a:t> </a:t>
+                </a:r>
+              </a:p>
+            </p:txBody>
+          </p:sp>
+        </mc:Fallback>
+      </mc:AlternateContent>
+      <mc:AlternateContent xmlns:mc="http://schemas.openxmlformats.org/markup-compatibility/2006">
+        <mc:Choice xmlns:a14="http://schemas.microsoft.com/office/drawing/2010/main" Requires="a14">
+          <p:sp>
+            <p:nvSpPr>
+              <p:cNvPr id="111" name="Rectangle 110"/>
+              <p:cNvSpPr/>
+              <p:nvPr/>
+            </p:nvSpPr>
+            <p:spPr>
+              <a:xfrm>
+                <a:off x="7452320" y="2559115"/>
+                <a:ext cx="720080" cy="1012874"/>
+              </a:xfrm>
+              <a:prstGeom prst="rect">
+                <a:avLst/>
+              </a:prstGeom>
+              <a:noFill/>
+            </p:spPr>
+            <p:style>
+              <a:lnRef idx="2">
+                <a:schemeClr val="accent1">
+                  <a:shade val="50000"/>
+                </a:schemeClr>
+              </a:lnRef>
+              <a:fillRef idx="1">
+                <a:schemeClr val="accent1"/>
+              </a:fillRef>
+              <a:effectRef idx="0">
+                <a:schemeClr val="accent1"/>
+              </a:effectRef>
+              <a:fontRef idx="minor">
+                <a:schemeClr val="lt1"/>
+              </a:fontRef>
+            </p:style>
+            <p:txBody>
+              <a:bodyPr rtlCol="0" anchor="ctr"/>
+              <a:lstStyle/>
+              <a:p>
+                <a:pPr algn="ctr"/>
+                <a14:m>
+                  <m:oMathPara xmlns:m="http://schemas.openxmlformats.org/officeDocument/2006/math">
+                    <m:oMathParaPr>
+                      <m:jc m:val="centerGroup"/>
+                    </m:oMathParaPr>
+                    <m:oMath xmlns:m="http://schemas.openxmlformats.org/officeDocument/2006/math">
+                      <m:r>
+                        <a:rPr lang="fr-FR" b="0" i="1" smtClean="0">
+                          <a:solidFill>
+                            <a:schemeClr val="tx1"/>
+                          </a:solidFill>
+                          <a:latin typeface="Cambria Math"/>
+                        </a:rPr>
+                        <m:t>𝑚</m:t>
+                      </m:r>
+                    </m:oMath>
+                  </m:oMathPara>
+                </a14:m>
+                <a:endParaRPr lang="fr-FR" dirty="0"/>
+              </a:p>
+            </p:txBody>
+          </p:sp>
+        </mc:Choice>
+        <mc:Fallback>
+          <p:sp>
+            <p:nvSpPr>
+              <p:cNvPr id="111" name="Rectangle 110"/>
+              <p:cNvSpPr>
+                <a:spLocks noRot="1" noChangeAspect="1" noMove="1" noResize="1" noEditPoints="1" noAdjustHandles="1" noChangeArrowheads="1" noChangeShapeType="1" noTextEdit="1"/>
+              </p:cNvSpPr>
+              <p:nvPr/>
+            </p:nvSpPr>
+            <p:spPr>
+              <a:xfrm>
+                <a:off x="7452320" y="2559115"/>
+                <a:ext cx="720080" cy="1012874"/>
+              </a:xfrm>
+              <a:prstGeom prst="rect">
+                <a:avLst/>
+              </a:prstGeom>
+              <a:blipFill rotWithShape="1">
+                <a:blip r:embed="rId9"/>
+                <a:stretch>
+                  <a:fillRect/>
+                </a:stretch>
+              </a:blipFill>
+            </p:spPr>
+            <p:txBody>
+              <a:bodyPr/>
+              <a:lstStyle/>
+              <a:p>
+                <a:r>
+                  <a:rPr lang="fr-FR">
+                    <a:noFill/>
+                  </a:rPr>
+                  <a:t> </a:t>
+                </a:r>
+              </a:p>
+            </p:txBody>
+          </p:sp>
+        </mc:Fallback>
+      </mc:AlternateContent>
+      <p:cxnSp>
+        <p:nvCxnSpPr>
+          <p:cNvPr id="114" name="Connecteur droit 113"/>
+          <p:cNvCxnSpPr/>
+          <p:nvPr/>
+        </p:nvCxnSpPr>
+        <p:spPr>
+          <a:xfrm>
+            <a:off x="7812360" y="2207347"/>
+            <a:ext cx="360040" cy="0"/>
+          </a:xfrm>
+          <a:prstGeom prst="line">
+            <a:avLst/>
+          </a:prstGeom>
+          <a:ln w="19050">
+            <a:solidFill>
+              <a:schemeClr val="tx2"/>
+            </a:solidFill>
+            <a:tailEnd type="stealth" w="med" len="lg"/>
+          </a:ln>
+        </p:spPr>
+        <p:style>
+          <a:lnRef idx="1">
+            <a:schemeClr val="accent1"/>
+          </a:lnRef>
+          <a:fillRef idx="0">
+            <a:schemeClr val="accent1"/>
+          </a:fillRef>
+          <a:effectRef idx="0">
+            <a:schemeClr val="accent1"/>
+          </a:effectRef>
+          <a:fontRef idx="minor">
+            <a:schemeClr val="tx1"/>
+          </a:fontRef>
+        </p:style>
+      </p:cxnSp>
+      <p:cxnSp>
+        <p:nvCxnSpPr>
+          <p:cNvPr id="115" name="Connecteur droit 114"/>
+          <p:cNvCxnSpPr>
+            <a:stCxn id="111" idx="0"/>
+          </p:cNvCxnSpPr>
+          <p:nvPr/>
+        </p:nvCxnSpPr>
+        <p:spPr>
+          <a:xfrm flipV="1">
+            <a:off x="7812360" y="2163071"/>
+            <a:ext cx="0" cy="396044"/>
+          </a:xfrm>
+          <a:prstGeom prst="line">
+            <a:avLst/>
+          </a:prstGeom>
+          <a:ln w="19050">
+            <a:solidFill>
+              <a:schemeClr val="tx2"/>
+            </a:solidFill>
+            <a:tailEnd type="none" w="med" len="lg"/>
+          </a:ln>
+        </p:spPr>
+        <p:style>
+          <a:lnRef idx="1">
+            <a:schemeClr val="accent1"/>
+          </a:lnRef>
+          <a:fillRef idx="0">
+            <a:schemeClr val="accent1"/>
+          </a:fillRef>
+          <a:effectRef idx="0">
+            <a:schemeClr val="accent1"/>
+          </a:effectRef>
+          <a:fontRef idx="minor">
+            <a:schemeClr val="tx1"/>
+          </a:fontRef>
+        </p:style>
+      </p:cxnSp>
+      <mc:AlternateContent xmlns:mc="http://schemas.openxmlformats.org/markup-compatibility/2006" xmlns:a14="http://schemas.microsoft.com/office/drawing/2010/main">
+        <mc:Choice Requires="a14">
+          <p:sp>
+            <p:nvSpPr>
+              <p:cNvPr id="116" name="Rectangle 115"/>
+              <p:cNvSpPr/>
+              <p:nvPr/>
+            </p:nvSpPr>
+            <p:spPr>
+              <a:xfrm>
+                <a:off x="7756610" y="1793739"/>
+                <a:ext cx="781431" cy="369332"/>
+              </a:xfrm>
+              <a:prstGeom prst="rect">
+                <a:avLst/>
+              </a:prstGeom>
+            </p:spPr>
+            <p:txBody>
+              <a:bodyPr wrap="none">
+                <a:spAutoFit/>
+              </a:bodyPr>
+              <a:lstStyle/>
+              <a:p>
+                <a:pPr/>
+                <a14:m>
+                  <m:oMathPara xmlns:m="http://schemas.openxmlformats.org/officeDocument/2006/math">
+                    <m:oMathParaPr>
+                      <m:jc m:val="centerGroup"/>
+                    </m:oMathParaPr>
+                    <m:oMath xmlns:m="http://schemas.openxmlformats.org/officeDocument/2006/math">
+                      <m:sSub>
+                        <m:sSubPr>
+                          <m:ctrlPr>
+                            <a:rPr lang="fr-FR" i="1" smtClean="0">
+                              <a:latin typeface="Cambria Math"/>
+                            </a:rPr>
+                          </m:ctrlPr>
+                        </m:sSubPr>
+                        <m:e>
+                          <m:r>
+                            <a:rPr lang="fr-FR" b="0" i="1" smtClean="0">
+                              <a:latin typeface="Cambria Math"/>
+                            </a:rPr>
+                            <m:t>𝑢</m:t>
+                          </m:r>
+                        </m:e>
+                        <m:sub>
+                          <m:r>
+                            <a:rPr lang="fr-FR" b="0" i="1" smtClean="0">
+                              <a:latin typeface="Cambria Math"/>
+                            </a:rPr>
+                            <m:t>𝑛</m:t>
+                          </m:r>
+                        </m:sub>
+                      </m:sSub>
+                      <m:r>
+                        <a:rPr lang="fr-FR" b="0" i="1" smtClean="0">
+                          <a:latin typeface="Cambria Math"/>
+                        </a:rPr>
+                        <m:t>(</m:t>
+                      </m:r>
+                      <m:r>
+                        <a:rPr lang="fr-FR" b="0" i="1" smtClean="0">
+                          <a:latin typeface="Cambria Math"/>
+                        </a:rPr>
+                        <m:t>𝑡</m:t>
+                      </m:r>
+                      <m:r>
+                        <a:rPr lang="fr-FR" b="0" i="1" smtClean="0">
+                          <a:latin typeface="Cambria Math"/>
+                        </a:rPr>
+                        <m:t>)</m:t>
+                      </m:r>
+                    </m:oMath>
+                  </m:oMathPara>
+                </a14:m>
+                <a:endParaRPr lang="fr-FR" dirty="0"/>
+              </a:p>
+            </p:txBody>
+          </p:sp>
+        </mc:Choice>
+        <mc:Fallback xmlns="">
+          <p:sp>
+            <p:nvSpPr>
+              <p:cNvPr id="116" name="Rectangle 115"/>
+              <p:cNvSpPr>
+                <a:spLocks noRot="1" noChangeAspect="1" noMove="1" noResize="1" noEditPoints="1" noAdjustHandles="1" noChangeArrowheads="1" noChangeShapeType="1" noTextEdit="1"/>
+              </p:cNvSpPr>
+              <p:nvPr/>
+            </p:nvSpPr>
+            <p:spPr>
+              <a:xfrm>
+                <a:off x="7756610" y="1793739"/>
+                <a:ext cx="781431" cy="369332"/>
+              </a:xfrm>
+              <a:prstGeom prst="rect">
+                <a:avLst/>
+              </a:prstGeom>
+              <a:blipFill rotWithShape="1">
+                <a:blip r:embed="rId10"/>
+                <a:stretch>
+                  <a:fillRect b="-11475"/>
+                </a:stretch>
+              </a:blipFill>
+            </p:spPr>
+            <p:txBody>
+              <a:bodyPr/>
+              <a:lstStyle/>
+              <a:p>
+                <a:r>
+                  <a:rPr lang="fr-FR">
+                    <a:noFill/>
+                  </a:rPr>
+                  <a:t> </a:t>
+                </a:r>
+              </a:p>
+            </p:txBody>
+          </p:sp>
+        </mc:Fallback>
+      </mc:AlternateContent>
+      <p:cxnSp>
+        <p:nvCxnSpPr>
+          <p:cNvPr id="117" name="Connecteur droit 116"/>
+          <p:cNvCxnSpPr/>
+          <p:nvPr/>
+        </p:nvCxnSpPr>
+        <p:spPr>
+          <a:xfrm flipH="1">
+            <a:off x="3851921" y="2714551"/>
+            <a:ext cx="720079" cy="1"/>
+          </a:xfrm>
+          <a:prstGeom prst="line">
+            <a:avLst/>
+          </a:prstGeom>
+          <a:ln w="19050">
+            <a:solidFill>
+              <a:schemeClr val="tx2"/>
+            </a:solidFill>
+            <a:prstDash val="lgDashDot"/>
+            <a:tailEnd type="none" w="med" len="lg"/>
+          </a:ln>
+        </p:spPr>
+        <p:style>
+          <a:lnRef idx="1">
+            <a:schemeClr val="accent1"/>
+          </a:lnRef>
+          <a:fillRef idx="0">
+            <a:schemeClr val="accent1"/>
+          </a:fillRef>
+          <a:effectRef idx="0">
+            <a:schemeClr val="accent1"/>
+          </a:effectRef>
+          <a:fontRef idx="minor">
+            <a:schemeClr val="tx1"/>
+          </a:fontRef>
+        </p:style>
+      </p:cxnSp>
+      <p:cxnSp>
+        <p:nvCxnSpPr>
+          <p:cNvPr id="120" name="Connecteur droit 119"/>
+          <p:cNvCxnSpPr/>
+          <p:nvPr/>
+        </p:nvCxnSpPr>
+        <p:spPr>
+          <a:xfrm flipH="1">
+            <a:off x="3851921" y="3428999"/>
+            <a:ext cx="720079" cy="1"/>
+          </a:xfrm>
+          <a:prstGeom prst="line">
+            <a:avLst/>
+          </a:prstGeom>
+          <a:ln w="19050">
+            <a:solidFill>
+              <a:schemeClr val="tx2"/>
+            </a:solidFill>
+            <a:prstDash val="lgDashDot"/>
+            <a:tailEnd type="none" w="med" len="lg"/>
+          </a:ln>
+        </p:spPr>
+        <p:style>
+          <a:lnRef idx="1">
+            <a:schemeClr val="accent1"/>
+          </a:lnRef>
+          <a:fillRef idx="0">
+            <a:schemeClr val="accent1"/>
+          </a:fillRef>
+          <a:effectRef idx="0">
+            <a:schemeClr val="accent1"/>
+          </a:effectRef>
+          <a:fontRef idx="minor">
+            <a:schemeClr val="tx1"/>
+          </a:fontRef>
+        </p:style>
+      </p:cxnSp>
+      <p:cxnSp>
+        <p:nvCxnSpPr>
+          <p:cNvPr id="121" name="Connecteur droit 120"/>
+          <p:cNvCxnSpPr/>
+          <p:nvPr/>
+        </p:nvCxnSpPr>
+        <p:spPr>
+          <a:xfrm flipH="1">
+            <a:off x="6732241" y="2706266"/>
+            <a:ext cx="720079" cy="1"/>
+          </a:xfrm>
+          <a:prstGeom prst="line">
+            <a:avLst/>
+          </a:prstGeom>
+          <a:ln w="19050">
+            <a:solidFill>
+              <a:schemeClr val="tx2"/>
+            </a:solidFill>
+            <a:prstDash val="lgDashDot"/>
+            <a:tailEnd type="none" w="med" len="lg"/>
+          </a:ln>
+        </p:spPr>
+        <p:style>
+          <a:lnRef idx="1">
+            <a:schemeClr val="accent1"/>
+          </a:lnRef>
+          <a:fillRef idx="0">
+            <a:schemeClr val="accent1"/>
+          </a:fillRef>
+          <a:effectRef idx="0">
+            <a:schemeClr val="accent1"/>
+          </a:effectRef>
+          <a:fontRef idx="minor">
+            <a:schemeClr val="tx1"/>
+          </a:fontRef>
+        </p:style>
+      </p:cxnSp>
+      <p:cxnSp>
+        <p:nvCxnSpPr>
+          <p:cNvPr id="122" name="Connecteur droit 121"/>
+          <p:cNvCxnSpPr/>
+          <p:nvPr/>
+        </p:nvCxnSpPr>
+        <p:spPr>
+          <a:xfrm flipH="1">
+            <a:off x="6732241" y="3433762"/>
+            <a:ext cx="720079" cy="1"/>
+          </a:xfrm>
+          <a:prstGeom prst="line">
+            <a:avLst/>
+          </a:prstGeom>
+          <a:ln w="19050">
+            <a:solidFill>
+              <a:schemeClr val="tx2"/>
+            </a:solidFill>
+            <a:prstDash val="lgDashDot"/>
+            <a:tailEnd type="none" w="med" len="lg"/>
+          </a:ln>
+        </p:spPr>
+        <p:style>
+          <a:lnRef idx="1">
+            <a:schemeClr val="accent1"/>
+          </a:lnRef>
+          <a:fillRef idx="0">
+            <a:schemeClr val="accent1"/>
+          </a:fillRef>
+          <a:effectRef idx="0">
+            <a:schemeClr val="accent1"/>
+          </a:effectRef>
+          <a:fontRef idx="minor">
+            <a:schemeClr val="tx1"/>
+          </a:fontRef>
+        </p:style>
+      </p:cxnSp>
+      <p:cxnSp>
+        <p:nvCxnSpPr>
+          <p:cNvPr id="123" name="Connecteur droit 122"/>
+          <p:cNvCxnSpPr/>
+          <p:nvPr/>
+        </p:nvCxnSpPr>
+        <p:spPr>
+          <a:xfrm flipV="1">
+            <a:off x="7812360" y="3573016"/>
+            <a:ext cx="0" cy="396044"/>
+          </a:xfrm>
+          <a:prstGeom prst="line">
+            <a:avLst/>
+          </a:prstGeom>
+          <a:ln w="19050">
+            <a:solidFill>
+              <a:schemeClr val="tx2"/>
+            </a:solidFill>
+            <a:tailEnd type="none" w="med" len="lg"/>
+          </a:ln>
+        </p:spPr>
+        <p:style>
+          <a:lnRef idx="1">
+            <a:schemeClr val="accent1"/>
+          </a:lnRef>
+          <a:fillRef idx="0">
+            <a:schemeClr val="accent1"/>
+          </a:fillRef>
+          <a:effectRef idx="0">
+            <a:schemeClr val="accent1"/>
+          </a:effectRef>
+          <a:fontRef idx="minor">
+            <a:schemeClr val="tx1"/>
+          </a:fontRef>
+        </p:style>
+      </p:cxnSp>
+      <p:cxnSp>
+        <p:nvCxnSpPr>
+          <p:cNvPr id="125" name="Connecteur droit 124"/>
+          <p:cNvCxnSpPr/>
+          <p:nvPr/>
+        </p:nvCxnSpPr>
+        <p:spPr>
+          <a:xfrm>
+            <a:off x="7812360" y="3936063"/>
+            <a:ext cx="360040" cy="0"/>
+          </a:xfrm>
+          <a:prstGeom prst="line">
+            <a:avLst/>
+          </a:prstGeom>
+          <a:ln w="19050">
+            <a:solidFill>
+              <a:schemeClr val="tx2"/>
+            </a:solidFill>
+            <a:tailEnd type="stealth" w="med" len="lg"/>
+          </a:ln>
+        </p:spPr>
+        <p:style>
+          <a:lnRef idx="1">
+            <a:schemeClr val="accent1"/>
+          </a:lnRef>
+          <a:fillRef idx="0">
+            <a:schemeClr val="accent1"/>
+          </a:fillRef>
+          <a:effectRef idx="0">
+            <a:schemeClr val="accent1"/>
+          </a:effectRef>
+          <a:fontRef idx="minor">
+            <a:schemeClr val="tx1"/>
+          </a:fontRef>
+        </p:style>
+      </p:cxnSp>
+      <mc:AlternateContent xmlns:mc="http://schemas.openxmlformats.org/markup-compatibility/2006" xmlns:a14="http://schemas.microsoft.com/office/drawing/2010/main">
+        <mc:Choice Requires="a14">
+          <p:sp>
+            <p:nvSpPr>
+              <p:cNvPr id="126" name="Rectangle 125"/>
+              <p:cNvSpPr/>
+              <p:nvPr/>
+            </p:nvSpPr>
+            <p:spPr>
+              <a:xfrm>
+                <a:off x="7756610" y="3522455"/>
+                <a:ext cx="729943" cy="369332"/>
+              </a:xfrm>
+              <a:prstGeom prst="rect">
+                <a:avLst/>
+              </a:prstGeom>
+            </p:spPr>
+            <p:txBody>
+              <a:bodyPr wrap="none">
+                <a:spAutoFit/>
+              </a:bodyPr>
+              <a:lstStyle/>
+              <a:p>
+                <a:pPr/>
+                <a14:m>
+                  <m:oMathPara xmlns:m="http://schemas.openxmlformats.org/officeDocument/2006/math">
+                    <m:oMathParaPr>
+                      <m:jc m:val="centerGroup"/>
+                    </m:oMathParaPr>
+                    <m:oMath xmlns:m="http://schemas.openxmlformats.org/officeDocument/2006/math">
+                      <m:sSub>
+                        <m:sSubPr>
+                          <m:ctrlPr>
+                            <a:rPr lang="fr-FR" i="1" smtClean="0">
+                              <a:latin typeface="Cambria Math"/>
+                            </a:rPr>
+                          </m:ctrlPr>
+                        </m:sSubPr>
+                        <m:e>
+                          <m:r>
+                            <a:rPr lang="fr-FR" b="0" i="1" smtClean="0">
+                              <a:latin typeface="Cambria Math"/>
+                            </a:rPr>
+                            <m:t>𝑓</m:t>
+                          </m:r>
+                        </m:e>
+                        <m:sub>
+                          <m:r>
+                            <a:rPr lang="fr-FR" b="0" i="1" smtClean="0">
+                              <a:latin typeface="Cambria Math"/>
+                            </a:rPr>
+                            <m:t>𝑛</m:t>
+                          </m:r>
+                        </m:sub>
+                      </m:sSub>
+                      <m:r>
+                        <a:rPr lang="fr-FR" b="0" i="1" smtClean="0">
+                          <a:latin typeface="Cambria Math"/>
+                        </a:rPr>
+                        <m:t>(</m:t>
+                      </m:r>
+                      <m:r>
+                        <a:rPr lang="fr-FR" b="0" i="1" smtClean="0">
+                          <a:latin typeface="Cambria Math"/>
+                        </a:rPr>
+                        <m:t>𝑡</m:t>
+                      </m:r>
+                      <m:r>
+                        <a:rPr lang="fr-FR" b="0" i="1" smtClean="0">
+                          <a:latin typeface="Cambria Math"/>
+                        </a:rPr>
+                        <m:t>)</m:t>
+                      </m:r>
+                    </m:oMath>
+                  </m:oMathPara>
+                </a14:m>
+                <a:endParaRPr lang="fr-FR" dirty="0"/>
+              </a:p>
+            </p:txBody>
+          </p:sp>
+        </mc:Choice>
+        <mc:Fallback xmlns="">
+          <p:sp>
+            <p:nvSpPr>
+              <p:cNvPr id="126" name="Rectangle 125"/>
+              <p:cNvSpPr>
+                <a:spLocks noRot="1" noChangeAspect="1" noMove="1" noResize="1" noEditPoints="1" noAdjustHandles="1" noChangeArrowheads="1" noChangeShapeType="1" noTextEdit="1"/>
+              </p:cNvSpPr>
+              <p:nvPr/>
+            </p:nvSpPr>
+            <p:spPr>
+              <a:xfrm>
+                <a:off x="7756610" y="3522455"/>
+                <a:ext cx="729943" cy="369332"/>
+              </a:xfrm>
+              <a:prstGeom prst="rect">
+                <a:avLst/>
+              </a:prstGeom>
+              <a:blipFill rotWithShape="1">
+                <a:blip r:embed="rId11"/>
+                <a:stretch>
+                  <a:fillRect b="-13333"/>
+                </a:stretch>
+              </a:blipFill>
+            </p:spPr>
+            <p:txBody>
+              <a:bodyPr/>
+              <a:lstStyle/>
+              <a:p>
+                <a:r>
+                  <a:rPr lang="fr-FR">
+                    <a:noFill/>
+                  </a:rPr>
+                  <a:t> </a:t>
+                </a:r>
+              </a:p>
+            </p:txBody>
+          </p:sp>
+        </mc:Fallback>
+      </mc:AlternateContent>
+      <p:sp>
+        <p:nvSpPr>
+          <p:cNvPr id="127" name="Accolade ouvrante 126"/>
+          <p:cNvSpPr/>
+          <p:nvPr/>
+        </p:nvSpPr>
+        <p:spPr>
+          <a:xfrm rot="16200000">
+            <a:off x="2331491" y="3476177"/>
+            <a:ext cx="148749" cy="1451958"/>
+          </a:xfrm>
+          <a:prstGeom prst="leftBrace">
+            <a:avLst>
+              <a:gd name="adj1" fmla="val 44619"/>
+              <a:gd name="adj2" fmla="val 50000"/>
+            </a:avLst>
+          </a:prstGeom>
+          <a:ln w="19050">
+            <a:solidFill>
+              <a:schemeClr val="tx2"/>
+            </a:solidFill>
+            <a:tailEnd type="none" w="med" len="lg"/>
+          </a:ln>
+        </p:spPr>
+        <p:style>
+          <a:lnRef idx="1">
+            <a:schemeClr val="accent1"/>
+          </a:lnRef>
+          <a:fillRef idx="0">
+            <a:schemeClr val="accent1"/>
+          </a:fillRef>
+          <a:effectRef idx="0">
+            <a:schemeClr val="accent1"/>
+          </a:effectRef>
+          <a:fontRef idx="minor">
+            <a:schemeClr val="tx1"/>
+          </a:fontRef>
+        </p:style>
+        <p:txBody>
+          <a:bodyPr rtlCol="0" anchor="ctr"/>
+          <a:lstStyle/>
+          <a:p>
+            <a:pPr algn="ctr"/>
+            <a:endParaRPr lang="fr-FR"/>
+          </a:p>
+        </p:txBody>
+      </p:sp>
+      <p:sp>
+        <p:nvSpPr>
+          <p:cNvPr id="128" name="Accolade ouvrante 127"/>
+          <p:cNvSpPr/>
+          <p:nvPr/>
+        </p:nvSpPr>
+        <p:spPr>
+          <a:xfrm rot="16200000">
+            <a:off x="3417509" y="3842119"/>
+            <a:ext cx="148749" cy="720076"/>
+          </a:xfrm>
+          <a:prstGeom prst="leftBrace">
+            <a:avLst>
+              <a:gd name="adj1" fmla="val 44619"/>
+              <a:gd name="adj2" fmla="val 50000"/>
+            </a:avLst>
+          </a:prstGeom>
+          <a:ln w="19050">
+            <a:solidFill>
+              <a:schemeClr val="tx2"/>
+            </a:solidFill>
+            <a:tailEnd type="none" w="med" len="lg"/>
+          </a:ln>
+        </p:spPr>
+        <p:style>
+          <a:lnRef idx="1">
+            <a:schemeClr val="accent1"/>
+          </a:lnRef>
+          <a:fillRef idx="0">
+            <a:schemeClr val="accent1"/>
+          </a:fillRef>
+          <a:effectRef idx="0">
+            <a:schemeClr val="accent1"/>
+          </a:effectRef>
+          <a:fontRef idx="minor">
+            <a:schemeClr val="tx1"/>
+          </a:fontRef>
+        </p:style>
+        <p:txBody>
+          <a:bodyPr rtlCol="0" anchor="ctr"/>
+          <a:lstStyle/>
+          <a:p>
+            <a:pPr algn="ctr"/>
+            <a:endParaRPr lang="fr-FR"/>
+          </a:p>
+        </p:txBody>
+      </p:sp>
+      <p:sp>
+        <p:nvSpPr>
+          <p:cNvPr id="129" name="Accolade ouvrante 128"/>
+          <p:cNvSpPr/>
+          <p:nvPr/>
+        </p:nvSpPr>
+        <p:spPr>
+          <a:xfrm rot="16200000">
+            <a:off x="5204435" y="3476177"/>
+            <a:ext cx="148749" cy="1451958"/>
+          </a:xfrm>
+          <a:prstGeom prst="leftBrace">
+            <a:avLst>
+              <a:gd name="adj1" fmla="val 44619"/>
+              <a:gd name="adj2" fmla="val 50000"/>
+            </a:avLst>
+          </a:prstGeom>
+          <a:ln w="19050">
+            <a:solidFill>
+              <a:schemeClr val="tx2"/>
+            </a:solidFill>
+            <a:tailEnd type="none" w="med" len="lg"/>
+          </a:ln>
+        </p:spPr>
+        <p:style>
+          <a:lnRef idx="1">
+            <a:schemeClr val="accent1"/>
+          </a:lnRef>
+          <a:fillRef idx="0">
+            <a:schemeClr val="accent1"/>
+          </a:fillRef>
+          <a:effectRef idx="0">
+            <a:schemeClr val="accent1"/>
+          </a:effectRef>
+          <a:fontRef idx="minor">
+            <a:schemeClr val="tx1"/>
+          </a:fontRef>
+        </p:style>
+        <p:txBody>
+          <a:bodyPr rtlCol="0" anchor="ctr"/>
+          <a:lstStyle/>
+          <a:p>
+            <a:pPr algn="ctr"/>
+            <a:endParaRPr lang="fr-FR"/>
+          </a:p>
+        </p:txBody>
+      </p:sp>
+      <p:sp>
+        <p:nvSpPr>
+          <p:cNvPr id="130" name="Accolade ouvrante 129"/>
+          <p:cNvSpPr/>
+          <p:nvPr/>
+        </p:nvSpPr>
+        <p:spPr>
+          <a:xfrm rot="16200000">
+            <a:off x="6290453" y="3842119"/>
+            <a:ext cx="148749" cy="720076"/>
+          </a:xfrm>
+          <a:prstGeom prst="leftBrace">
+            <a:avLst>
+              <a:gd name="adj1" fmla="val 44619"/>
+              <a:gd name="adj2" fmla="val 50000"/>
+            </a:avLst>
+          </a:prstGeom>
+          <a:ln w="19050">
+            <a:solidFill>
+              <a:schemeClr val="tx2"/>
+            </a:solidFill>
+            <a:tailEnd type="none" w="med" len="lg"/>
+          </a:ln>
+        </p:spPr>
+        <p:style>
+          <a:lnRef idx="1">
+            <a:schemeClr val="accent1"/>
+          </a:lnRef>
+          <a:fillRef idx="0">
+            <a:schemeClr val="accent1"/>
+          </a:fillRef>
+          <a:effectRef idx="0">
+            <a:schemeClr val="accent1"/>
+          </a:effectRef>
+          <a:fontRef idx="minor">
+            <a:schemeClr val="tx1"/>
+          </a:fontRef>
+        </p:style>
+        <p:txBody>
+          <a:bodyPr rtlCol="0" anchor="ctr"/>
+          <a:lstStyle/>
+          <a:p>
+            <a:pPr algn="ctr"/>
+            <a:endParaRPr lang="fr-FR"/>
+          </a:p>
+        </p:txBody>
+      </p:sp>
+      <p:sp>
+        <p:nvSpPr>
+          <p:cNvPr id="131" name="Accolade ouvrante 130"/>
+          <p:cNvSpPr/>
+          <p:nvPr/>
+        </p:nvSpPr>
+        <p:spPr>
+          <a:xfrm rot="16200000">
+            <a:off x="7737988" y="3830415"/>
+            <a:ext cx="148749" cy="720076"/>
+          </a:xfrm>
+          <a:prstGeom prst="leftBrace">
+            <a:avLst>
+              <a:gd name="adj1" fmla="val 44619"/>
+              <a:gd name="adj2" fmla="val 50000"/>
+            </a:avLst>
+          </a:prstGeom>
+          <a:ln w="19050">
+            <a:solidFill>
+              <a:schemeClr val="tx2"/>
+            </a:solidFill>
+            <a:tailEnd type="none" w="med" len="lg"/>
+          </a:ln>
+        </p:spPr>
+        <p:style>
+          <a:lnRef idx="1">
+            <a:schemeClr val="accent1"/>
+          </a:lnRef>
+          <a:fillRef idx="0">
+            <a:schemeClr val="accent1"/>
+          </a:fillRef>
+          <a:effectRef idx="0">
+            <a:schemeClr val="accent1"/>
+          </a:effectRef>
+          <a:fontRef idx="minor">
+            <a:schemeClr val="tx1"/>
+          </a:fontRef>
+        </p:style>
+        <p:txBody>
+          <a:bodyPr rtlCol="0" anchor="ctr"/>
+          <a:lstStyle/>
+          <a:p>
+            <a:pPr algn="ctr"/>
+            <a:endParaRPr lang="fr-FR"/>
+          </a:p>
+        </p:txBody>
+      </p:sp>
+      <mc:AlternateContent xmlns:mc="http://schemas.openxmlformats.org/markup-compatibility/2006" xmlns:a14="http://schemas.microsoft.com/office/drawing/2010/main">
+        <mc:Choice Requires="a14">
+          <p:sp>
+            <p:nvSpPr>
+              <p:cNvPr id="132" name="Rectangle 131"/>
+              <p:cNvSpPr/>
+              <p:nvPr/>
+            </p:nvSpPr>
+            <p:spPr>
+              <a:xfrm>
+                <a:off x="1983952" y="4276532"/>
+                <a:ext cx="829073" cy="307777"/>
+              </a:xfrm>
+              <a:prstGeom prst="rect">
+                <a:avLst/>
+              </a:prstGeom>
+            </p:spPr>
+            <p:txBody>
+              <a:bodyPr wrap="none">
+                <a:spAutoFit/>
+              </a:bodyPr>
+              <a:lstStyle/>
+              <a:p>
+                <a:pPr algn="ctr"/>
+                <a:r>
+                  <a:rPr lang="fr-FR" sz="1400" dirty="0" smtClean="0"/>
+                  <a:t>Liaison </a:t>
+                </a:r>
+                <a14:m>
+                  <m:oMath xmlns:m="http://schemas.openxmlformats.org/officeDocument/2006/math">
+                    <m:r>
+                      <a:rPr lang="fr-FR" sz="1400" b="0" i="1" smtClean="0">
+                        <a:latin typeface="Cambria Math"/>
+                      </a:rPr>
+                      <m:t>1</m:t>
+                    </m:r>
+                  </m:oMath>
+                </a14:m>
+                <a:endParaRPr lang="fr-FR" sz="1400" dirty="0"/>
+              </a:p>
+            </p:txBody>
+          </p:sp>
+        </mc:Choice>
+        <mc:Fallback xmlns="">
+          <p:sp>
+            <p:nvSpPr>
+              <p:cNvPr id="132" name="Rectangle 131"/>
+              <p:cNvSpPr>
+                <a:spLocks noRot="1" noChangeAspect="1" noMove="1" noResize="1" noEditPoints="1" noAdjustHandles="1" noChangeArrowheads="1" noChangeShapeType="1" noTextEdit="1"/>
+              </p:cNvSpPr>
+              <p:nvPr/>
+            </p:nvSpPr>
+            <p:spPr>
+              <a:xfrm>
+                <a:off x="1983952" y="4276532"/>
+                <a:ext cx="829073" cy="307777"/>
+              </a:xfrm>
+              <a:prstGeom prst="rect">
+                <a:avLst/>
+              </a:prstGeom>
+              <a:blipFill rotWithShape="1">
+                <a:blip r:embed="rId12"/>
+                <a:stretch>
+                  <a:fillRect l="-1471" t="-2000" b="-20000"/>
+                </a:stretch>
+              </a:blipFill>
+            </p:spPr>
+            <p:txBody>
+              <a:bodyPr/>
+              <a:lstStyle/>
+              <a:p>
+                <a:r>
+                  <a:rPr lang="fr-FR">
+                    <a:noFill/>
+                  </a:rPr>
+                  <a:t> </a:t>
+                </a:r>
+              </a:p>
+            </p:txBody>
+          </p:sp>
+        </mc:Fallback>
+      </mc:AlternateContent>
+      <mc:AlternateContent xmlns:mc="http://schemas.openxmlformats.org/markup-compatibility/2006" xmlns:a14="http://schemas.microsoft.com/office/drawing/2010/main">
+        <mc:Choice Requires="a14">
+          <p:sp>
+            <p:nvSpPr>
+              <p:cNvPr id="133" name="Rectangle 132"/>
+              <p:cNvSpPr/>
+              <p:nvPr/>
+            </p:nvSpPr>
+            <p:spPr>
+              <a:xfrm>
+                <a:off x="3026884" y="4276531"/>
+                <a:ext cx="929998" cy="307777"/>
+              </a:xfrm>
+              <a:prstGeom prst="rect">
+                <a:avLst/>
+              </a:prstGeom>
+            </p:spPr>
+            <p:txBody>
+              <a:bodyPr wrap="none">
+                <a:spAutoFit/>
+              </a:bodyPr>
+              <a:lstStyle/>
+              <a:p>
+                <a:pPr algn="ctr"/>
+                <a:r>
+                  <a:rPr lang="fr-FR" sz="1400" dirty="0" smtClean="0"/>
+                  <a:t>Élément </a:t>
+                </a:r>
+                <a14:m>
+                  <m:oMath xmlns:m="http://schemas.openxmlformats.org/officeDocument/2006/math">
+                    <m:r>
+                      <a:rPr lang="fr-FR" sz="1400" b="0" i="1" smtClean="0">
+                        <a:latin typeface="Cambria Math"/>
+                      </a:rPr>
+                      <m:t>1</m:t>
+                    </m:r>
+                  </m:oMath>
+                </a14:m>
+                <a:endParaRPr lang="fr-FR" sz="1400" dirty="0"/>
+              </a:p>
+            </p:txBody>
+          </p:sp>
+        </mc:Choice>
+        <mc:Fallback xmlns="">
+          <p:sp>
+            <p:nvSpPr>
+              <p:cNvPr id="133" name="Rectangle 132"/>
+              <p:cNvSpPr>
+                <a:spLocks noRot="1" noChangeAspect="1" noMove="1" noResize="1" noEditPoints="1" noAdjustHandles="1" noChangeArrowheads="1" noChangeShapeType="1" noTextEdit="1"/>
+              </p:cNvSpPr>
+              <p:nvPr/>
+            </p:nvSpPr>
+            <p:spPr>
+              <a:xfrm>
+                <a:off x="3026884" y="4276531"/>
+                <a:ext cx="929998" cy="307777"/>
+              </a:xfrm>
+              <a:prstGeom prst="rect">
+                <a:avLst/>
+              </a:prstGeom>
+              <a:blipFill rotWithShape="1">
+                <a:blip r:embed="rId13"/>
+                <a:stretch>
+                  <a:fillRect l="-1974" t="-2000" b="-20000"/>
+                </a:stretch>
+              </a:blipFill>
+            </p:spPr>
+            <p:txBody>
+              <a:bodyPr/>
+              <a:lstStyle/>
+              <a:p>
+                <a:r>
+                  <a:rPr lang="fr-FR">
+                    <a:noFill/>
+                  </a:rPr>
+                  <a:t> </a:t>
+                </a:r>
+              </a:p>
+            </p:txBody>
+          </p:sp>
+        </mc:Fallback>
+      </mc:AlternateContent>
+      <mc:AlternateContent xmlns:mc="http://schemas.openxmlformats.org/markup-compatibility/2006" xmlns:a14="http://schemas.microsoft.com/office/drawing/2010/main">
+        <mc:Choice Requires="a14">
+          <p:sp>
+            <p:nvSpPr>
+              <p:cNvPr id="134" name="Rectangle 133"/>
+              <p:cNvSpPr/>
+              <p:nvPr/>
+            </p:nvSpPr>
+            <p:spPr>
+              <a:xfrm>
+                <a:off x="4883056" y="4276533"/>
+                <a:ext cx="791499" cy="307777"/>
+              </a:xfrm>
+              <a:prstGeom prst="rect">
+                <a:avLst/>
+              </a:prstGeom>
+            </p:spPr>
+            <p:txBody>
+              <a:bodyPr wrap="none">
+                <a:spAutoFit/>
+              </a:bodyPr>
+              <a:lstStyle/>
+              <a:p>
+                <a:pPr algn="ctr"/>
+                <a:r>
+                  <a:rPr lang="fr-FR" sz="1400" dirty="0" smtClean="0"/>
+                  <a:t>Liaison </a:t>
+                </a:r>
+                <a14:m>
+                  <m:oMath xmlns:m="http://schemas.openxmlformats.org/officeDocument/2006/math">
+                    <m:r>
+                      <a:rPr lang="fr-FR" sz="1400" b="0" i="1" smtClean="0">
+                        <a:latin typeface="Cambria Math"/>
+                      </a:rPr>
+                      <m:t>𝑖</m:t>
+                    </m:r>
+                  </m:oMath>
+                </a14:m>
+                <a:endParaRPr lang="fr-FR" sz="1400" dirty="0"/>
+              </a:p>
+            </p:txBody>
+          </p:sp>
+        </mc:Choice>
+        <mc:Fallback xmlns="">
+          <p:sp>
+            <p:nvSpPr>
+              <p:cNvPr id="134" name="Rectangle 133"/>
+              <p:cNvSpPr>
+                <a:spLocks noRot="1" noChangeAspect="1" noMove="1" noResize="1" noEditPoints="1" noAdjustHandles="1" noChangeArrowheads="1" noChangeShapeType="1" noTextEdit="1"/>
+              </p:cNvSpPr>
+              <p:nvPr/>
+            </p:nvSpPr>
+            <p:spPr>
+              <a:xfrm>
+                <a:off x="4883056" y="4276533"/>
+                <a:ext cx="791499" cy="307777"/>
+              </a:xfrm>
+              <a:prstGeom prst="rect">
+                <a:avLst/>
+              </a:prstGeom>
+              <a:blipFill rotWithShape="1">
+                <a:blip r:embed="rId14"/>
+                <a:stretch>
+                  <a:fillRect l="-1538" t="-2000" b="-20000"/>
+                </a:stretch>
+              </a:blipFill>
+            </p:spPr>
+            <p:txBody>
+              <a:bodyPr/>
+              <a:lstStyle/>
+              <a:p>
+                <a:r>
+                  <a:rPr lang="fr-FR">
+                    <a:noFill/>
+                  </a:rPr>
+                  <a:t> </a:t>
+                </a:r>
+              </a:p>
+            </p:txBody>
+          </p:sp>
+        </mc:Fallback>
+      </mc:AlternateContent>
+      <mc:AlternateContent xmlns:mc="http://schemas.openxmlformats.org/markup-compatibility/2006" xmlns:a14="http://schemas.microsoft.com/office/drawing/2010/main">
+        <mc:Choice Requires="a14">
+          <p:sp>
+            <p:nvSpPr>
+              <p:cNvPr id="135" name="Rectangle 134"/>
+              <p:cNvSpPr/>
+              <p:nvPr/>
+            </p:nvSpPr>
+            <p:spPr>
+              <a:xfrm>
+                <a:off x="5925988" y="4276532"/>
+                <a:ext cx="892425" cy="307777"/>
+              </a:xfrm>
+              <a:prstGeom prst="rect">
+                <a:avLst/>
+              </a:prstGeom>
+            </p:spPr>
+            <p:txBody>
+              <a:bodyPr wrap="none">
+                <a:spAutoFit/>
+              </a:bodyPr>
+              <a:lstStyle/>
+              <a:p>
+                <a:pPr algn="ctr"/>
+                <a:r>
+                  <a:rPr lang="fr-FR" sz="1400" dirty="0" smtClean="0"/>
+                  <a:t>Élément </a:t>
+                </a:r>
+                <a14:m>
+                  <m:oMath xmlns:m="http://schemas.openxmlformats.org/officeDocument/2006/math">
+                    <m:r>
+                      <a:rPr lang="fr-FR" sz="1400" b="0" i="1" smtClean="0">
+                        <a:latin typeface="Cambria Math"/>
+                      </a:rPr>
+                      <m:t>𝑖</m:t>
+                    </m:r>
+                  </m:oMath>
+                </a14:m>
+                <a:endParaRPr lang="fr-FR" sz="1400" i="1" dirty="0"/>
+              </a:p>
+            </p:txBody>
+          </p:sp>
+        </mc:Choice>
+        <mc:Fallback xmlns="">
+          <p:sp>
+            <p:nvSpPr>
+              <p:cNvPr id="135" name="Rectangle 134"/>
+              <p:cNvSpPr>
+                <a:spLocks noRot="1" noChangeAspect="1" noMove="1" noResize="1" noEditPoints="1" noAdjustHandles="1" noChangeArrowheads="1" noChangeShapeType="1" noTextEdit="1"/>
+              </p:cNvSpPr>
+              <p:nvPr/>
+            </p:nvSpPr>
+            <p:spPr>
+              <a:xfrm>
+                <a:off x="5925988" y="4276532"/>
+                <a:ext cx="892425" cy="307777"/>
+              </a:xfrm>
+              <a:prstGeom prst="rect">
+                <a:avLst/>
+              </a:prstGeom>
+              <a:blipFill rotWithShape="1">
+                <a:blip r:embed="rId15"/>
+                <a:stretch>
+                  <a:fillRect l="-1361" t="-2000" b="-20000"/>
+                </a:stretch>
+              </a:blipFill>
+            </p:spPr>
+            <p:txBody>
+              <a:bodyPr/>
+              <a:lstStyle/>
+              <a:p>
+                <a:r>
+                  <a:rPr lang="fr-FR">
+                    <a:noFill/>
+                  </a:rPr>
+                  <a:t> </a:t>
+                </a:r>
+              </a:p>
+            </p:txBody>
+          </p:sp>
+        </mc:Fallback>
+      </mc:AlternateContent>
+      <mc:AlternateContent xmlns:mc="http://schemas.openxmlformats.org/markup-compatibility/2006" xmlns:a14="http://schemas.microsoft.com/office/drawing/2010/main">
+        <mc:Choice Requires="a14">
+          <p:sp>
+            <p:nvSpPr>
+              <p:cNvPr id="136" name="Rectangle 135"/>
+              <p:cNvSpPr/>
+              <p:nvPr/>
+            </p:nvSpPr>
+            <p:spPr>
+              <a:xfrm>
+                <a:off x="7344219" y="4281222"/>
+                <a:ext cx="936282" cy="307777"/>
+              </a:xfrm>
+              <a:prstGeom prst="rect">
+                <a:avLst/>
+              </a:prstGeom>
+            </p:spPr>
+            <p:txBody>
+              <a:bodyPr wrap="none">
+                <a:spAutoFit/>
+              </a:bodyPr>
+              <a:lstStyle/>
+              <a:p>
+                <a:pPr algn="ctr"/>
+                <a:r>
+                  <a:rPr lang="fr-FR" sz="1400" dirty="0" smtClean="0"/>
+                  <a:t>Élément </a:t>
+                </a:r>
+                <a14:m>
+                  <m:oMath xmlns:m="http://schemas.openxmlformats.org/officeDocument/2006/math">
+                    <m:r>
+                      <a:rPr lang="fr-FR" sz="1400" b="0" i="1" smtClean="0">
+                        <a:latin typeface="Cambria Math"/>
+                      </a:rPr>
+                      <m:t>𝑛</m:t>
+                    </m:r>
+                  </m:oMath>
+                </a14:m>
+                <a:endParaRPr lang="fr-FR" sz="1400" i="1" dirty="0"/>
+              </a:p>
+            </p:txBody>
+          </p:sp>
+        </mc:Choice>
+        <mc:Fallback xmlns="">
+          <p:sp>
+            <p:nvSpPr>
+              <p:cNvPr id="136" name="Rectangle 135"/>
+              <p:cNvSpPr>
+                <a:spLocks noRot="1" noChangeAspect="1" noMove="1" noResize="1" noEditPoints="1" noAdjustHandles="1" noChangeArrowheads="1" noChangeShapeType="1" noTextEdit="1"/>
+              </p:cNvSpPr>
+              <p:nvPr/>
+            </p:nvSpPr>
+            <p:spPr>
+              <a:xfrm>
+                <a:off x="7344219" y="4281222"/>
+                <a:ext cx="936282" cy="307777"/>
+              </a:xfrm>
+              <a:prstGeom prst="rect">
+                <a:avLst/>
+              </a:prstGeom>
+              <a:blipFill rotWithShape="1">
+                <a:blip r:embed="rId16"/>
+                <a:stretch>
+                  <a:fillRect l="-1961" t="-1961" b="-17647"/>
+                </a:stretch>
+              </a:blipFill>
+            </p:spPr>
+            <p:txBody>
+              <a:bodyPr/>
+              <a:lstStyle/>
+              <a:p>
+                <a:r>
+                  <a:rPr lang="fr-FR">
+                    <a:noFill/>
+                  </a:rPr>
+                  <a:t> </a:t>
+                </a:r>
+              </a:p>
+            </p:txBody>
+          </p:sp>
+        </mc:Fallback>
+      </mc:AlternateContent>
+      <p:cxnSp>
+        <p:nvCxnSpPr>
+          <p:cNvPr id="137" name="Connecteur droit 136"/>
+          <p:cNvCxnSpPr/>
+          <p:nvPr/>
+        </p:nvCxnSpPr>
+        <p:spPr>
+          <a:xfrm>
+            <a:off x="1691680" y="4869160"/>
+            <a:ext cx="6509921" cy="0"/>
+          </a:xfrm>
+          <a:prstGeom prst="line">
+            <a:avLst/>
+          </a:prstGeom>
+          <a:ln w="19050">
+            <a:solidFill>
+              <a:schemeClr val="tx2"/>
+            </a:solidFill>
+            <a:headEnd type="stealth" w="med" len="lg"/>
+            <a:tailEnd type="stealth" w="med" len="lg"/>
+          </a:ln>
+        </p:spPr>
+        <p:style>
+          <a:lnRef idx="1">
+            <a:schemeClr val="accent1"/>
+          </a:lnRef>
+          <a:fillRef idx="0">
+            <a:schemeClr val="accent1"/>
+          </a:fillRef>
+          <a:effectRef idx="0">
+            <a:schemeClr val="accent1"/>
+          </a:effectRef>
+          <a:fontRef idx="minor">
+            <a:schemeClr val="tx1"/>
+          </a:fontRef>
+        </p:style>
+      </p:cxnSp>
+      <mc:AlternateContent xmlns:mc="http://schemas.openxmlformats.org/markup-compatibility/2006" xmlns:a14="http://schemas.microsoft.com/office/drawing/2010/main">
+        <mc:Choice Requires="a14">
+          <p:sp>
+            <p:nvSpPr>
+              <p:cNvPr id="139" name="Rectangle 138"/>
+              <p:cNvSpPr/>
+              <p:nvPr/>
+            </p:nvSpPr>
+            <p:spPr>
+              <a:xfrm>
+                <a:off x="4740462" y="4499828"/>
+                <a:ext cx="365741" cy="369332"/>
+              </a:xfrm>
+              <a:prstGeom prst="rect">
+                <a:avLst/>
+              </a:prstGeom>
+            </p:spPr>
+            <p:txBody>
+              <a:bodyPr wrap="none">
+                <a:spAutoFit/>
+              </a:bodyPr>
+              <a:lstStyle/>
+              <a:p>
+                <a:pPr/>
+                <a14:m>
+                  <m:oMathPara xmlns:m="http://schemas.openxmlformats.org/officeDocument/2006/math">
+                    <m:oMathParaPr>
+                      <m:jc m:val="centerGroup"/>
+                    </m:oMathParaPr>
+                    <m:oMath xmlns:m="http://schemas.openxmlformats.org/officeDocument/2006/math">
+                      <m:r>
+                        <a:rPr lang="fr-FR" i="1" smtClean="0">
+                          <a:latin typeface="Cambria Math"/>
+                        </a:rPr>
+                        <m:t>𝐿</m:t>
+                      </m:r>
+                    </m:oMath>
+                  </m:oMathPara>
+                </a14:m>
+                <a:endParaRPr lang="fr-FR" dirty="0"/>
+              </a:p>
+            </p:txBody>
+          </p:sp>
+        </mc:Choice>
+        <mc:Fallback xmlns="">
+          <p:sp>
+            <p:nvSpPr>
+              <p:cNvPr id="139" name="Rectangle 138"/>
+              <p:cNvSpPr>
+                <a:spLocks noRot="1" noChangeAspect="1" noMove="1" noResize="1" noEditPoints="1" noAdjustHandles="1" noChangeArrowheads="1" noChangeShapeType="1" noTextEdit="1"/>
+              </p:cNvSpPr>
+              <p:nvPr/>
+            </p:nvSpPr>
+            <p:spPr>
+              <a:xfrm>
+                <a:off x="4740462" y="4499828"/>
+                <a:ext cx="365741" cy="369332"/>
+              </a:xfrm>
+              <a:prstGeom prst="rect">
+                <a:avLst/>
+              </a:prstGeom>
+              <a:blipFill rotWithShape="1">
+                <a:blip r:embed="rId17"/>
+                <a:stretch>
+                  <a:fillRect/>
+                </a:stretch>
+              </a:blipFill>
+            </p:spPr>
+            <p:txBody>
+              <a:bodyPr/>
+              <a:lstStyle/>
+              <a:p>
+                <a:r>
+                  <a:rPr lang="fr-FR">
+                    <a:noFill/>
+                  </a:rPr>
+                  <a:t> </a:t>
+                </a:r>
+              </a:p>
+            </p:txBody>
+          </p:sp>
+        </mc:Fallback>
+      </mc:AlternateContent>
+    </p:spTree>
+    <p:extLst>
+      <p:ext uri="{BB962C8B-B14F-4D97-AF65-F5344CB8AC3E}">
+        <p14:creationId xmlns:p14="http://schemas.microsoft.com/office/powerpoint/2010/main" val="960289927"/>
       </p:ext>
     </p:extLst>
   </p:cSld>

--- a/DS_2014_2015/DS_05/images/Figures.pptx
+++ b/DS_2014_2015/DS_05/images/Figures.pptx
@@ -7,6 +7,7 @@
   <p:sldIdLst>
     <p:sldId id="256" r:id="rId2"/>
     <p:sldId id="257" r:id="rId3"/>
+    <p:sldId id="258" r:id="rId4"/>
   </p:sldIdLst>
   <p:sldSz cx="9144000" cy="6858000" type="screen4x3"/>
   <p:notesSz cx="6858000" cy="9144000"/>
@@ -289,7 +290,7 @@
           <a:p>
             <a:fld id="{AA309A6D-C09C-4548-B29A-6CF363A7E532}" type="datetimeFigureOut">
               <a:rPr lang="fr-FR" smtClean="0"/>
-              <a:t>17/04/2015</a:t>
+              <a:t>22/04/2015</a:t>
             </a:fld>
             <a:endParaRPr lang="fr-BE"/>
           </a:p>
@@ -454,7 +455,7 @@
           <a:p>
             <a:fld id="{AA309A6D-C09C-4548-B29A-6CF363A7E532}" type="datetimeFigureOut">
               <a:rPr lang="fr-FR" smtClean="0"/>
-              <a:t>17/04/2015</a:t>
+              <a:t>22/04/2015</a:t>
             </a:fld>
             <a:endParaRPr lang="fr-BE"/>
           </a:p>
@@ -629,7 +630,7 @@
           <a:p>
             <a:fld id="{AA309A6D-C09C-4548-B29A-6CF363A7E532}" type="datetimeFigureOut">
               <a:rPr lang="fr-FR" smtClean="0"/>
-              <a:t>17/04/2015</a:t>
+              <a:t>22/04/2015</a:t>
             </a:fld>
             <a:endParaRPr lang="fr-BE"/>
           </a:p>
@@ -794,7 +795,7 @@
           <a:p>
             <a:fld id="{AA309A6D-C09C-4548-B29A-6CF363A7E532}" type="datetimeFigureOut">
               <a:rPr lang="fr-FR" smtClean="0"/>
-              <a:t>17/04/2015</a:t>
+              <a:t>22/04/2015</a:t>
             </a:fld>
             <a:endParaRPr lang="fr-BE"/>
           </a:p>
@@ -1035,7 +1036,7 @@
           <a:p>
             <a:fld id="{AA309A6D-C09C-4548-B29A-6CF363A7E532}" type="datetimeFigureOut">
               <a:rPr lang="fr-FR" smtClean="0"/>
-              <a:t>17/04/2015</a:t>
+              <a:t>22/04/2015</a:t>
             </a:fld>
             <a:endParaRPr lang="fr-BE"/>
           </a:p>
@@ -1318,7 +1319,7 @@
           <a:p>
             <a:fld id="{AA309A6D-C09C-4548-B29A-6CF363A7E532}" type="datetimeFigureOut">
               <a:rPr lang="fr-FR" smtClean="0"/>
-              <a:t>17/04/2015</a:t>
+              <a:t>22/04/2015</a:t>
             </a:fld>
             <a:endParaRPr lang="fr-BE"/>
           </a:p>
@@ -1735,7 +1736,7 @@
           <a:p>
             <a:fld id="{AA309A6D-C09C-4548-B29A-6CF363A7E532}" type="datetimeFigureOut">
               <a:rPr lang="fr-FR" smtClean="0"/>
-              <a:t>17/04/2015</a:t>
+              <a:t>22/04/2015</a:t>
             </a:fld>
             <a:endParaRPr lang="fr-BE"/>
           </a:p>
@@ -1848,7 +1849,7 @@
           <a:p>
             <a:fld id="{AA309A6D-C09C-4548-B29A-6CF363A7E532}" type="datetimeFigureOut">
               <a:rPr lang="fr-FR" smtClean="0"/>
-              <a:t>17/04/2015</a:t>
+              <a:t>22/04/2015</a:t>
             </a:fld>
             <a:endParaRPr lang="fr-BE"/>
           </a:p>
@@ -1938,7 +1939,7 @@
           <a:p>
             <a:fld id="{AA309A6D-C09C-4548-B29A-6CF363A7E532}" type="datetimeFigureOut">
               <a:rPr lang="fr-FR" smtClean="0"/>
-              <a:t>17/04/2015</a:t>
+              <a:t>22/04/2015</a:t>
             </a:fld>
             <a:endParaRPr lang="fr-BE"/>
           </a:p>
@@ -2210,7 +2211,7 @@
           <a:p>
             <a:fld id="{AA309A6D-C09C-4548-B29A-6CF363A7E532}" type="datetimeFigureOut">
               <a:rPr lang="fr-FR" smtClean="0"/>
-              <a:t>17/04/2015</a:t>
+              <a:t>22/04/2015</a:t>
             </a:fld>
             <a:endParaRPr lang="fr-BE"/>
           </a:p>
@@ -2458,7 +2459,7 @@
           <a:p>
             <a:fld id="{AA309A6D-C09C-4548-B29A-6CF363A7E532}" type="datetimeFigureOut">
               <a:rPr lang="fr-FR" smtClean="0"/>
-              <a:t>17/04/2015</a:t>
+              <a:t>22/04/2015</a:t>
             </a:fld>
             <a:endParaRPr lang="fr-BE"/>
           </a:p>
@@ -2666,7 +2667,7 @@
           <a:p>
             <a:fld id="{AA309A6D-C09C-4548-B29A-6CF363A7E532}" type="datetimeFigureOut">
               <a:rPr lang="fr-FR" smtClean="0"/>
-              <a:t>17/04/2015</a:t>
+              <a:t>22/04/2015</a:t>
             </a:fld>
             <a:endParaRPr lang="fr-BE"/>
           </a:p>
@@ -7617,8 +7618,8 @@
           </a:fontRef>
         </p:style>
       </p:cxnSp>
-      <mc:AlternateContent xmlns:mc="http://schemas.openxmlformats.org/markup-compatibility/2006">
-        <mc:Choice xmlns:a14="http://schemas.microsoft.com/office/drawing/2010/main" Requires="a14">
+      <mc:AlternateContent xmlns:mc="http://schemas.openxmlformats.org/markup-compatibility/2006" xmlns:a14="http://schemas.microsoft.com/office/drawing/2010/main">
+        <mc:Choice Requires="a14">
           <p:sp>
             <p:nvSpPr>
               <p:cNvPr id="54" name="Rectangle 53"/>
@@ -7679,7 +7680,7 @@
             </p:txBody>
           </p:sp>
         </mc:Choice>
-        <mc:Fallback>
+        <mc:Fallback xmlns="">
           <p:sp>
             <p:nvSpPr>
               <p:cNvPr id="54" name="Rectangle 53"/>
@@ -8418,8 +8419,8 @@
           </a:fontRef>
         </p:style>
       </p:cxnSp>
-      <mc:AlternateContent xmlns:mc="http://schemas.openxmlformats.org/markup-compatibility/2006">
-        <mc:Choice xmlns:a14="http://schemas.microsoft.com/office/drawing/2010/main" Requires="a14">
+      <mc:AlternateContent xmlns:mc="http://schemas.openxmlformats.org/markup-compatibility/2006" xmlns:a14="http://schemas.microsoft.com/office/drawing/2010/main">
+        <mc:Choice Requires="a14">
           <p:sp>
             <p:nvSpPr>
               <p:cNvPr id="77" name="Rectangle 76"/>
@@ -8480,7 +8481,7 @@
             </p:txBody>
           </p:sp>
         </mc:Choice>
-        <mc:Fallback>
+        <mc:Fallback xmlns="">
           <p:sp>
             <p:nvSpPr>
               <p:cNvPr id="77" name="Rectangle 76"/>
@@ -8519,8 +8520,8 @@
           </p:sp>
         </mc:Fallback>
       </mc:AlternateContent>
-      <mc:AlternateContent xmlns:mc="http://schemas.openxmlformats.org/markup-compatibility/2006">
-        <mc:Choice xmlns:a14="http://schemas.microsoft.com/office/drawing/2010/main" Requires="a14">
+      <mc:AlternateContent xmlns:mc="http://schemas.openxmlformats.org/markup-compatibility/2006" xmlns:a14="http://schemas.microsoft.com/office/drawing/2010/main">
+        <mc:Choice Requires="a14">
           <p:sp>
             <p:nvSpPr>
               <p:cNvPr id="80" name="Rectangle 79"/>
@@ -8563,7 +8564,7 @@
             </p:txBody>
           </p:sp>
         </mc:Choice>
-        <mc:Fallback>
+        <mc:Fallback xmlns="">
           <p:sp>
             <p:nvSpPr>
               <p:cNvPr id="80" name="Rectangle 79"/>
@@ -8602,8 +8603,8 @@
           </p:sp>
         </mc:Fallback>
       </mc:AlternateContent>
-      <mc:AlternateContent xmlns:mc="http://schemas.openxmlformats.org/markup-compatibility/2006">
-        <mc:Choice xmlns:a14="http://schemas.microsoft.com/office/drawing/2010/main" Requires="a14">
+      <mc:AlternateContent xmlns:mc="http://schemas.openxmlformats.org/markup-compatibility/2006" xmlns:a14="http://schemas.microsoft.com/office/drawing/2010/main">
+        <mc:Choice Requires="a14">
           <p:sp>
             <p:nvSpPr>
               <p:cNvPr id="81" name="Rectangle 80"/>
@@ -8646,7 +8647,7 @@
             </p:txBody>
           </p:sp>
         </mc:Choice>
-        <mc:Fallback>
+        <mc:Fallback xmlns="">
           <p:sp>
             <p:nvSpPr>
               <p:cNvPr id="81" name="Rectangle 80"/>
@@ -8685,8 +8686,8 @@
           </p:sp>
         </mc:Fallback>
       </mc:AlternateContent>
-      <mc:AlternateContent xmlns:mc="http://schemas.openxmlformats.org/markup-compatibility/2006">
-        <mc:Choice xmlns:a14="http://schemas.microsoft.com/office/drawing/2010/main" Requires="a14">
+      <mc:AlternateContent xmlns:mc="http://schemas.openxmlformats.org/markup-compatibility/2006" xmlns:a14="http://schemas.microsoft.com/office/drawing/2010/main">
+        <mc:Choice Requires="a14">
           <p:sp>
             <p:nvSpPr>
               <p:cNvPr id="82" name="Rectangle 81"/>
@@ -8729,7 +8730,7 @@
             </p:txBody>
           </p:sp>
         </mc:Choice>
-        <mc:Fallback>
+        <mc:Fallback xmlns="">
           <p:sp>
             <p:nvSpPr>
               <p:cNvPr id="82" name="Rectangle 81"/>
@@ -8768,8 +8769,8 @@
           </p:sp>
         </mc:Fallback>
       </mc:AlternateContent>
-      <mc:AlternateContent xmlns:mc="http://schemas.openxmlformats.org/markup-compatibility/2006">
-        <mc:Choice xmlns:a14="http://schemas.microsoft.com/office/drawing/2010/main" Requires="a14">
+      <mc:AlternateContent xmlns:mc="http://schemas.openxmlformats.org/markup-compatibility/2006" xmlns:a14="http://schemas.microsoft.com/office/drawing/2010/main">
+        <mc:Choice Requires="a14">
           <p:sp>
             <p:nvSpPr>
               <p:cNvPr id="83" name="Rectangle 82"/>
@@ -8812,7 +8813,7 @@
             </p:txBody>
           </p:sp>
         </mc:Choice>
-        <mc:Fallback>
+        <mc:Fallback xmlns="">
           <p:sp>
             <p:nvSpPr>
               <p:cNvPr id="83" name="Rectangle 82"/>
@@ -9045,8 +9046,8 @@
           </p:sp>
         </mc:Fallback>
       </mc:AlternateContent>
-      <mc:AlternateContent xmlns:mc="http://schemas.openxmlformats.org/markup-compatibility/2006">
-        <mc:Choice xmlns:a14="http://schemas.microsoft.com/office/drawing/2010/main" Requires="a14">
+      <mc:AlternateContent xmlns:mc="http://schemas.openxmlformats.org/markup-compatibility/2006" xmlns:a14="http://schemas.microsoft.com/office/drawing/2010/main">
+        <mc:Choice Requires="a14">
           <p:sp>
             <p:nvSpPr>
               <p:cNvPr id="111" name="Rectangle 110"/>
@@ -9107,7 +9108,7 @@
             </p:txBody>
           </p:sp>
         </mc:Choice>
-        <mc:Fallback>
+        <mc:Fallback xmlns="">
           <p:sp>
             <p:nvSpPr>
               <p:cNvPr id="111" name="Rectangle 110"/>
@@ -10458,6 +10459,1264 @@
 </p:sld>
 </file>
 
+<file path=ppt/slides/slide3.xml><?xml version="1.0" encoding="utf-8"?>
+<p:sld xmlns:a="http://schemas.openxmlformats.org/drawingml/2006/main" xmlns:r="http://schemas.openxmlformats.org/officeDocument/2006/relationships" xmlns:p="http://schemas.openxmlformats.org/presentationml/2006/main">
+  <p:cSld>
+    <p:spTree>
+      <p:nvGrpSpPr>
+        <p:cNvPr id="1" name=""/>
+        <p:cNvGrpSpPr/>
+        <p:nvPr/>
+      </p:nvGrpSpPr>
+      <p:grpSpPr>
+        <a:xfrm>
+          <a:off x="0" y="0"/>
+          <a:ext cx="0" cy="0"/>
+          <a:chOff x="0" y="0"/>
+          <a:chExt cx="0" cy="0"/>
+        </a:xfrm>
+      </p:grpSpPr>
+      <p:sp>
+        <p:nvSpPr>
+          <p:cNvPr id="4" name="Rectangle 3"/>
+          <p:cNvSpPr/>
+          <p:nvPr/>
+        </p:nvSpPr>
+        <p:spPr>
+          <a:xfrm>
+            <a:off x="1187624" y="2564904"/>
+            <a:ext cx="504056" cy="1008112"/>
+          </a:xfrm>
+          <a:prstGeom prst="rect">
+            <a:avLst/>
+          </a:prstGeom>
+          <a:pattFill prst="ltUpDiag">
+            <a:fgClr>
+              <a:schemeClr val="tx2"/>
+            </a:fgClr>
+            <a:bgClr>
+              <a:schemeClr val="bg1"/>
+            </a:bgClr>
+          </a:pattFill>
+          <a:ln>
+            <a:noFill/>
+          </a:ln>
+        </p:spPr>
+        <p:style>
+          <a:lnRef idx="2">
+            <a:schemeClr val="accent1">
+              <a:shade val="50000"/>
+            </a:schemeClr>
+          </a:lnRef>
+          <a:fillRef idx="1">
+            <a:schemeClr val="accent1"/>
+          </a:fillRef>
+          <a:effectRef idx="0">
+            <a:schemeClr val="accent1"/>
+          </a:effectRef>
+          <a:fontRef idx="minor">
+            <a:schemeClr val="lt1"/>
+          </a:fontRef>
+        </p:style>
+        <p:txBody>
+          <a:bodyPr rtlCol="0" anchor="ctr"/>
+          <a:lstStyle/>
+          <a:p>
+            <a:pPr algn="ctr"/>
+            <a:endParaRPr lang="fr-FR"/>
+          </a:p>
+        </p:txBody>
+      </p:sp>
+      <p:cxnSp>
+        <p:nvCxnSpPr>
+          <p:cNvPr id="6" name="Connecteur droit 5"/>
+          <p:cNvCxnSpPr/>
+          <p:nvPr/>
+        </p:nvCxnSpPr>
+        <p:spPr>
+          <a:xfrm>
+            <a:off x="1691680" y="2564904"/>
+            <a:ext cx="0" cy="1008112"/>
+          </a:xfrm>
+          <a:prstGeom prst="line">
+            <a:avLst/>
+          </a:prstGeom>
+          <a:ln w="28575">
+            <a:solidFill>
+              <a:schemeClr val="tx2"/>
+            </a:solidFill>
+          </a:ln>
+        </p:spPr>
+        <p:style>
+          <a:lnRef idx="1">
+            <a:schemeClr val="accent1"/>
+          </a:lnRef>
+          <a:fillRef idx="0">
+            <a:schemeClr val="accent1"/>
+          </a:fillRef>
+          <a:effectRef idx="0">
+            <a:schemeClr val="accent1"/>
+          </a:effectRef>
+          <a:fontRef idx="minor">
+            <a:schemeClr val="tx1"/>
+          </a:fontRef>
+        </p:style>
+      </p:cxnSp>
+      <p:cxnSp>
+        <p:nvCxnSpPr>
+          <p:cNvPr id="7" name="Connecteur droit 6"/>
+          <p:cNvCxnSpPr/>
+          <p:nvPr/>
+        </p:nvCxnSpPr>
+        <p:spPr>
+          <a:xfrm>
+            <a:off x="1691680" y="2708920"/>
+            <a:ext cx="360040" cy="0"/>
+          </a:xfrm>
+          <a:prstGeom prst="line">
+            <a:avLst/>
+          </a:prstGeom>
+          <a:ln w="28575">
+            <a:solidFill>
+              <a:schemeClr val="tx2"/>
+            </a:solidFill>
+          </a:ln>
+        </p:spPr>
+        <p:style>
+          <a:lnRef idx="1">
+            <a:schemeClr val="accent1"/>
+          </a:lnRef>
+          <a:fillRef idx="0">
+            <a:schemeClr val="accent1"/>
+          </a:fillRef>
+          <a:effectRef idx="0">
+            <a:schemeClr val="accent1"/>
+          </a:effectRef>
+          <a:fontRef idx="minor">
+            <a:schemeClr val="tx1"/>
+          </a:fontRef>
+        </p:style>
+      </p:cxnSp>
+      <p:cxnSp>
+        <p:nvCxnSpPr>
+          <p:cNvPr id="10" name="Connecteur droit 9"/>
+          <p:cNvCxnSpPr/>
+          <p:nvPr/>
+        </p:nvCxnSpPr>
+        <p:spPr>
+          <a:xfrm flipH="1">
+            <a:off x="2051720" y="2564904"/>
+            <a:ext cx="36004" cy="144016"/>
+          </a:xfrm>
+          <a:prstGeom prst="line">
+            <a:avLst/>
+          </a:prstGeom>
+          <a:ln w="28575">
+            <a:solidFill>
+              <a:schemeClr val="tx2"/>
+            </a:solidFill>
+          </a:ln>
+        </p:spPr>
+        <p:style>
+          <a:lnRef idx="1">
+            <a:schemeClr val="accent1"/>
+          </a:lnRef>
+          <a:fillRef idx="0">
+            <a:schemeClr val="accent1"/>
+          </a:fillRef>
+          <a:effectRef idx="0">
+            <a:schemeClr val="accent1"/>
+          </a:effectRef>
+          <a:fontRef idx="minor">
+            <a:schemeClr val="tx1"/>
+          </a:fontRef>
+        </p:style>
+      </p:cxnSp>
+      <p:cxnSp>
+        <p:nvCxnSpPr>
+          <p:cNvPr id="13" name="Connecteur droit 12"/>
+          <p:cNvCxnSpPr/>
+          <p:nvPr/>
+        </p:nvCxnSpPr>
+        <p:spPr>
+          <a:xfrm>
+            <a:off x="2097187" y="2564904"/>
+            <a:ext cx="72008" cy="288032"/>
+          </a:xfrm>
+          <a:prstGeom prst="line">
+            <a:avLst/>
+          </a:prstGeom>
+          <a:ln w="28575">
+            <a:solidFill>
+              <a:schemeClr val="tx2"/>
+            </a:solidFill>
+          </a:ln>
+        </p:spPr>
+        <p:style>
+          <a:lnRef idx="1">
+            <a:schemeClr val="accent1"/>
+          </a:lnRef>
+          <a:fillRef idx="0">
+            <a:schemeClr val="accent1"/>
+          </a:fillRef>
+          <a:effectRef idx="0">
+            <a:schemeClr val="accent1"/>
+          </a:effectRef>
+          <a:fontRef idx="minor">
+            <a:schemeClr val="tx1"/>
+          </a:fontRef>
+        </p:style>
+      </p:cxnSp>
+      <p:cxnSp>
+        <p:nvCxnSpPr>
+          <p:cNvPr id="15" name="Connecteur droit 14"/>
+          <p:cNvCxnSpPr/>
+          <p:nvPr/>
+        </p:nvCxnSpPr>
+        <p:spPr>
+          <a:xfrm flipV="1">
+            <a:off x="2169195" y="2564904"/>
+            <a:ext cx="72008" cy="288032"/>
+          </a:xfrm>
+          <a:prstGeom prst="line">
+            <a:avLst/>
+          </a:prstGeom>
+          <a:ln w="28575">
+            <a:solidFill>
+              <a:schemeClr val="tx2"/>
+            </a:solidFill>
+          </a:ln>
+        </p:spPr>
+        <p:style>
+          <a:lnRef idx="1">
+            <a:schemeClr val="accent1"/>
+          </a:lnRef>
+          <a:fillRef idx="0">
+            <a:schemeClr val="accent1"/>
+          </a:fillRef>
+          <a:effectRef idx="0">
+            <a:schemeClr val="accent1"/>
+          </a:effectRef>
+          <a:fontRef idx="minor">
+            <a:schemeClr val="tx1"/>
+          </a:fontRef>
+        </p:style>
+      </p:cxnSp>
+      <p:cxnSp>
+        <p:nvCxnSpPr>
+          <p:cNvPr id="19" name="Connecteur droit 18"/>
+          <p:cNvCxnSpPr/>
+          <p:nvPr/>
+        </p:nvCxnSpPr>
+        <p:spPr>
+          <a:xfrm>
+            <a:off x="2248508" y="2564904"/>
+            <a:ext cx="72008" cy="288032"/>
+          </a:xfrm>
+          <a:prstGeom prst="line">
+            <a:avLst/>
+          </a:prstGeom>
+          <a:ln w="28575">
+            <a:solidFill>
+              <a:schemeClr val="tx2"/>
+            </a:solidFill>
+          </a:ln>
+        </p:spPr>
+        <p:style>
+          <a:lnRef idx="1">
+            <a:schemeClr val="accent1"/>
+          </a:lnRef>
+          <a:fillRef idx="0">
+            <a:schemeClr val="accent1"/>
+          </a:fillRef>
+          <a:effectRef idx="0">
+            <a:schemeClr val="accent1"/>
+          </a:effectRef>
+          <a:fontRef idx="minor">
+            <a:schemeClr val="tx1"/>
+          </a:fontRef>
+        </p:style>
+      </p:cxnSp>
+      <p:cxnSp>
+        <p:nvCxnSpPr>
+          <p:cNvPr id="20" name="Connecteur droit 19"/>
+          <p:cNvCxnSpPr/>
+          <p:nvPr/>
+        </p:nvCxnSpPr>
+        <p:spPr>
+          <a:xfrm flipV="1">
+            <a:off x="2320516" y="2564904"/>
+            <a:ext cx="72008" cy="288032"/>
+          </a:xfrm>
+          <a:prstGeom prst="line">
+            <a:avLst/>
+          </a:prstGeom>
+          <a:ln w="28575">
+            <a:solidFill>
+              <a:schemeClr val="tx2"/>
+            </a:solidFill>
+          </a:ln>
+        </p:spPr>
+        <p:style>
+          <a:lnRef idx="1">
+            <a:schemeClr val="accent1"/>
+          </a:lnRef>
+          <a:fillRef idx="0">
+            <a:schemeClr val="accent1"/>
+          </a:fillRef>
+          <a:effectRef idx="0">
+            <a:schemeClr val="accent1"/>
+          </a:effectRef>
+          <a:fontRef idx="minor">
+            <a:schemeClr val="tx1"/>
+          </a:fontRef>
+        </p:style>
+      </p:cxnSp>
+      <p:cxnSp>
+        <p:nvCxnSpPr>
+          <p:cNvPr id="25" name="Connecteur droit 24"/>
+          <p:cNvCxnSpPr/>
+          <p:nvPr/>
+        </p:nvCxnSpPr>
+        <p:spPr>
+          <a:xfrm>
+            <a:off x="2392524" y="2564904"/>
+            <a:ext cx="72008" cy="288032"/>
+          </a:xfrm>
+          <a:prstGeom prst="line">
+            <a:avLst/>
+          </a:prstGeom>
+          <a:ln w="28575">
+            <a:solidFill>
+              <a:schemeClr val="tx2"/>
+            </a:solidFill>
+          </a:ln>
+        </p:spPr>
+        <p:style>
+          <a:lnRef idx="1">
+            <a:schemeClr val="accent1"/>
+          </a:lnRef>
+          <a:fillRef idx="0">
+            <a:schemeClr val="accent1"/>
+          </a:fillRef>
+          <a:effectRef idx="0">
+            <a:schemeClr val="accent1"/>
+          </a:effectRef>
+          <a:fontRef idx="minor">
+            <a:schemeClr val="tx1"/>
+          </a:fontRef>
+        </p:style>
+      </p:cxnSp>
+      <p:cxnSp>
+        <p:nvCxnSpPr>
+          <p:cNvPr id="26" name="Connecteur droit 25"/>
+          <p:cNvCxnSpPr/>
+          <p:nvPr/>
+        </p:nvCxnSpPr>
+        <p:spPr>
+          <a:xfrm flipV="1">
+            <a:off x="2464532" y="2564904"/>
+            <a:ext cx="72008" cy="288032"/>
+          </a:xfrm>
+          <a:prstGeom prst="line">
+            <a:avLst/>
+          </a:prstGeom>
+          <a:ln w="28575">
+            <a:solidFill>
+              <a:schemeClr val="tx2"/>
+            </a:solidFill>
+          </a:ln>
+        </p:spPr>
+        <p:style>
+          <a:lnRef idx="1">
+            <a:schemeClr val="accent1"/>
+          </a:lnRef>
+          <a:fillRef idx="0">
+            <a:schemeClr val="accent1"/>
+          </a:fillRef>
+          <a:effectRef idx="0">
+            <a:schemeClr val="accent1"/>
+          </a:effectRef>
+          <a:fontRef idx="minor">
+            <a:schemeClr val="tx1"/>
+          </a:fontRef>
+        </p:style>
+      </p:cxnSp>
+      <p:cxnSp>
+        <p:nvCxnSpPr>
+          <p:cNvPr id="29" name="Connecteur droit 28"/>
+          <p:cNvCxnSpPr/>
+          <p:nvPr/>
+        </p:nvCxnSpPr>
+        <p:spPr>
+          <a:xfrm>
+            <a:off x="2536540" y="2564904"/>
+            <a:ext cx="72008" cy="288032"/>
+          </a:xfrm>
+          <a:prstGeom prst="line">
+            <a:avLst/>
+          </a:prstGeom>
+          <a:ln w="28575">
+            <a:solidFill>
+              <a:schemeClr val="tx2"/>
+            </a:solidFill>
+          </a:ln>
+        </p:spPr>
+        <p:style>
+          <a:lnRef idx="1">
+            <a:schemeClr val="accent1"/>
+          </a:lnRef>
+          <a:fillRef idx="0">
+            <a:schemeClr val="accent1"/>
+          </a:fillRef>
+          <a:effectRef idx="0">
+            <a:schemeClr val="accent1"/>
+          </a:effectRef>
+          <a:fontRef idx="minor">
+            <a:schemeClr val="tx1"/>
+          </a:fontRef>
+        </p:style>
+      </p:cxnSp>
+      <p:cxnSp>
+        <p:nvCxnSpPr>
+          <p:cNvPr id="30" name="Connecteur droit 29"/>
+          <p:cNvCxnSpPr/>
+          <p:nvPr/>
+        </p:nvCxnSpPr>
+        <p:spPr>
+          <a:xfrm flipV="1">
+            <a:off x="2608548" y="2564904"/>
+            <a:ext cx="72008" cy="288032"/>
+          </a:xfrm>
+          <a:prstGeom prst="line">
+            <a:avLst/>
+          </a:prstGeom>
+          <a:ln w="28575">
+            <a:solidFill>
+              <a:schemeClr val="tx2"/>
+            </a:solidFill>
+          </a:ln>
+        </p:spPr>
+        <p:style>
+          <a:lnRef idx="1">
+            <a:schemeClr val="accent1"/>
+          </a:lnRef>
+          <a:fillRef idx="0">
+            <a:schemeClr val="accent1"/>
+          </a:fillRef>
+          <a:effectRef idx="0">
+            <a:schemeClr val="accent1"/>
+          </a:effectRef>
+          <a:fontRef idx="minor">
+            <a:schemeClr val="tx1"/>
+          </a:fontRef>
+        </p:style>
+      </p:cxnSp>
+      <p:cxnSp>
+        <p:nvCxnSpPr>
+          <p:cNvPr id="31" name="Connecteur droit 30"/>
+          <p:cNvCxnSpPr/>
+          <p:nvPr/>
+        </p:nvCxnSpPr>
+        <p:spPr>
+          <a:xfrm>
+            <a:off x="2680556" y="2564904"/>
+            <a:ext cx="72008" cy="288032"/>
+          </a:xfrm>
+          <a:prstGeom prst="line">
+            <a:avLst/>
+          </a:prstGeom>
+          <a:ln w="28575">
+            <a:solidFill>
+              <a:schemeClr val="tx2"/>
+            </a:solidFill>
+          </a:ln>
+        </p:spPr>
+        <p:style>
+          <a:lnRef idx="1">
+            <a:schemeClr val="accent1"/>
+          </a:lnRef>
+          <a:fillRef idx="0">
+            <a:schemeClr val="accent1"/>
+          </a:fillRef>
+          <a:effectRef idx="0">
+            <a:schemeClr val="accent1"/>
+          </a:effectRef>
+          <a:fontRef idx="minor">
+            <a:schemeClr val="tx1"/>
+          </a:fontRef>
+        </p:style>
+      </p:cxnSp>
+      <p:cxnSp>
+        <p:nvCxnSpPr>
+          <p:cNvPr id="32" name="Connecteur droit 31"/>
+          <p:cNvCxnSpPr/>
+          <p:nvPr/>
+        </p:nvCxnSpPr>
+        <p:spPr>
+          <a:xfrm flipV="1">
+            <a:off x="2752564" y="2564904"/>
+            <a:ext cx="72008" cy="288032"/>
+          </a:xfrm>
+          <a:prstGeom prst="line">
+            <a:avLst/>
+          </a:prstGeom>
+          <a:ln w="28575">
+            <a:solidFill>
+              <a:schemeClr val="tx2"/>
+            </a:solidFill>
+          </a:ln>
+        </p:spPr>
+        <p:style>
+          <a:lnRef idx="1">
+            <a:schemeClr val="accent1"/>
+          </a:lnRef>
+          <a:fillRef idx="0">
+            <a:schemeClr val="accent1"/>
+          </a:fillRef>
+          <a:effectRef idx="0">
+            <a:schemeClr val="accent1"/>
+          </a:effectRef>
+          <a:fontRef idx="minor">
+            <a:schemeClr val="tx1"/>
+          </a:fontRef>
+        </p:style>
+      </p:cxnSp>
+      <p:cxnSp>
+        <p:nvCxnSpPr>
+          <p:cNvPr id="33" name="Connecteur droit 32"/>
+          <p:cNvCxnSpPr/>
+          <p:nvPr/>
+        </p:nvCxnSpPr>
+        <p:spPr>
+          <a:xfrm>
+            <a:off x="2824988" y="2570535"/>
+            <a:ext cx="36004" cy="144016"/>
+          </a:xfrm>
+          <a:prstGeom prst="line">
+            <a:avLst/>
+          </a:prstGeom>
+          <a:ln w="28575">
+            <a:solidFill>
+              <a:schemeClr val="tx2"/>
+            </a:solidFill>
+          </a:ln>
+        </p:spPr>
+        <p:style>
+          <a:lnRef idx="1">
+            <a:schemeClr val="accent1"/>
+          </a:lnRef>
+          <a:fillRef idx="0">
+            <a:schemeClr val="accent1"/>
+          </a:fillRef>
+          <a:effectRef idx="0">
+            <a:schemeClr val="accent1"/>
+          </a:effectRef>
+          <a:fontRef idx="minor">
+            <a:schemeClr val="tx1"/>
+          </a:fontRef>
+        </p:style>
+      </p:cxnSp>
+      <p:cxnSp>
+        <p:nvCxnSpPr>
+          <p:cNvPr id="34" name="Connecteur droit 33"/>
+          <p:cNvCxnSpPr/>
+          <p:nvPr/>
+        </p:nvCxnSpPr>
+        <p:spPr>
+          <a:xfrm flipH="1">
+            <a:off x="2860992" y="2708920"/>
+            <a:ext cx="270848" cy="0"/>
+          </a:xfrm>
+          <a:prstGeom prst="line">
+            <a:avLst/>
+          </a:prstGeom>
+          <a:ln w="28575">
+            <a:solidFill>
+              <a:schemeClr val="tx2"/>
+            </a:solidFill>
+          </a:ln>
+        </p:spPr>
+        <p:style>
+          <a:lnRef idx="1">
+            <a:schemeClr val="accent1"/>
+          </a:lnRef>
+          <a:fillRef idx="0">
+            <a:schemeClr val="accent1"/>
+          </a:fillRef>
+          <a:effectRef idx="0">
+            <a:schemeClr val="accent1"/>
+          </a:effectRef>
+          <a:fontRef idx="minor">
+            <a:schemeClr val="tx1"/>
+          </a:fontRef>
+        </p:style>
+      </p:cxnSp>
+      <p:cxnSp>
+        <p:nvCxnSpPr>
+          <p:cNvPr id="37" name="Connecteur droit 36"/>
+          <p:cNvCxnSpPr/>
+          <p:nvPr/>
+        </p:nvCxnSpPr>
+        <p:spPr>
+          <a:xfrm>
+            <a:off x="1691680" y="3429000"/>
+            <a:ext cx="552474" cy="0"/>
+          </a:xfrm>
+          <a:prstGeom prst="line">
+            <a:avLst/>
+          </a:prstGeom>
+          <a:ln w="28575">
+            <a:solidFill>
+              <a:schemeClr val="tx2"/>
+            </a:solidFill>
+          </a:ln>
+        </p:spPr>
+        <p:style>
+          <a:lnRef idx="1">
+            <a:schemeClr val="accent1"/>
+          </a:lnRef>
+          <a:fillRef idx="0">
+            <a:schemeClr val="accent1"/>
+          </a:fillRef>
+          <a:effectRef idx="0">
+            <a:schemeClr val="accent1"/>
+          </a:effectRef>
+          <a:fontRef idx="minor">
+            <a:schemeClr val="tx1"/>
+          </a:fontRef>
+        </p:style>
+      </p:cxnSp>
+      <p:cxnSp>
+        <p:nvCxnSpPr>
+          <p:cNvPr id="38" name="Connecteur droit 37"/>
+          <p:cNvCxnSpPr/>
+          <p:nvPr/>
+        </p:nvCxnSpPr>
+        <p:spPr>
+          <a:xfrm>
+            <a:off x="2248508" y="3289746"/>
+            <a:ext cx="0" cy="288032"/>
+          </a:xfrm>
+          <a:prstGeom prst="line">
+            <a:avLst/>
+          </a:prstGeom>
+          <a:ln w="28575">
+            <a:solidFill>
+              <a:schemeClr val="tx2"/>
+            </a:solidFill>
+          </a:ln>
+        </p:spPr>
+        <p:style>
+          <a:lnRef idx="1">
+            <a:schemeClr val="accent1"/>
+          </a:lnRef>
+          <a:fillRef idx="0">
+            <a:schemeClr val="accent1"/>
+          </a:fillRef>
+          <a:effectRef idx="0">
+            <a:schemeClr val="accent1"/>
+          </a:effectRef>
+          <a:fontRef idx="minor">
+            <a:schemeClr val="tx1"/>
+          </a:fontRef>
+        </p:style>
+      </p:cxnSp>
+      <p:cxnSp>
+        <p:nvCxnSpPr>
+          <p:cNvPr id="40" name="Connecteur droit 39"/>
+          <p:cNvCxnSpPr/>
+          <p:nvPr/>
+        </p:nvCxnSpPr>
+        <p:spPr>
+          <a:xfrm>
+            <a:off x="2418457" y="3356992"/>
+            <a:ext cx="0" cy="144016"/>
+          </a:xfrm>
+          <a:prstGeom prst="line">
+            <a:avLst/>
+          </a:prstGeom>
+          <a:ln w="28575">
+            <a:solidFill>
+              <a:schemeClr val="tx2"/>
+            </a:solidFill>
+          </a:ln>
+        </p:spPr>
+        <p:style>
+          <a:lnRef idx="1">
+            <a:schemeClr val="accent1"/>
+          </a:lnRef>
+          <a:fillRef idx="0">
+            <a:schemeClr val="accent1"/>
+          </a:fillRef>
+          <a:effectRef idx="0">
+            <a:schemeClr val="accent1"/>
+          </a:effectRef>
+          <a:fontRef idx="minor">
+            <a:schemeClr val="tx1"/>
+          </a:fontRef>
+        </p:style>
+      </p:cxnSp>
+      <p:cxnSp>
+        <p:nvCxnSpPr>
+          <p:cNvPr id="43" name="Connecteur droit 42"/>
+          <p:cNvCxnSpPr/>
+          <p:nvPr/>
+        </p:nvCxnSpPr>
+        <p:spPr>
+          <a:xfrm>
+            <a:off x="2241203" y="3284984"/>
+            <a:ext cx="314573" cy="0"/>
+          </a:xfrm>
+          <a:prstGeom prst="line">
+            <a:avLst/>
+          </a:prstGeom>
+          <a:ln w="28575">
+            <a:solidFill>
+              <a:schemeClr val="tx2"/>
+            </a:solidFill>
+          </a:ln>
+        </p:spPr>
+        <p:style>
+          <a:lnRef idx="1">
+            <a:schemeClr val="accent1"/>
+          </a:lnRef>
+          <a:fillRef idx="0">
+            <a:schemeClr val="accent1"/>
+          </a:fillRef>
+          <a:effectRef idx="0">
+            <a:schemeClr val="accent1"/>
+          </a:effectRef>
+          <a:fontRef idx="minor">
+            <a:schemeClr val="tx1"/>
+          </a:fontRef>
+        </p:style>
+      </p:cxnSp>
+      <p:cxnSp>
+        <p:nvCxnSpPr>
+          <p:cNvPr id="50" name="Connecteur droit 49"/>
+          <p:cNvCxnSpPr/>
+          <p:nvPr/>
+        </p:nvCxnSpPr>
+        <p:spPr>
+          <a:xfrm>
+            <a:off x="2418457" y="3429000"/>
+            <a:ext cx="713383" cy="0"/>
+          </a:xfrm>
+          <a:prstGeom prst="line">
+            <a:avLst/>
+          </a:prstGeom>
+          <a:ln w="28575">
+            <a:solidFill>
+              <a:schemeClr val="tx2"/>
+            </a:solidFill>
+          </a:ln>
+        </p:spPr>
+        <p:style>
+          <a:lnRef idx="1">
+            <a:schemeClr val="accent1"/>
+          </a:lnRef>
+          <a:fillRef idx="0">
+            <a:schemeClr val="accent1"/>
+          </a:fillRef>
+          <a:effectRef idx="0">
+            <a:schemeClr val="accent1"/>
+          </a:effectRef>
+          <a:fontRef idx="minor">
+            <a:schemeClr val="tx1"/>
+          </a:fontRef>
+        </p:style>
+      </p:cxnSp>
+      <p:cxnSp>
+        <p:nvCxnSpPr>
+          <p:cNvPr id="52" name="Connecteur droit 51"/>
+          <p:cNvCxnSpPr/>
+          <p:nvPr/>
+        </p:nvCxnSpPr>
+        <p:spPr>
+          <a:xfrm>
+            <a:off x="2244154" y="3573016"/>
+            <a:ext cx="314573" cy="0"/>
+          </a:xfrm>
+          <a:prstGeom prst="line">
+            <a:avLst/>
+          </a:prstGeom>
+          <a:ln w="28575">
+            <a:solidFill>
+              <a:schemeClr val="tx2"/>
+            </a:solidFill>
+          </a:ln>
+        </p:spPr>
+        <p:style>
+          <a:lnRef idx="1">
+            <a:schemeClr val="accent1"/>
+          </a:lnRef>
+          <a:fillRef idx="0">
+            <a:schemeClr val="accent1"/>
+          </a:fillRef>
+          <a:effectRef idx="0">
+            <a:schemeClr val="accent1"/>
+          </a:effectRef>
+          <a:fontRef idx="minor">
+            <a:schemeClr val="tx1"/>
+          </a:fontRef>
+        </p:style>
+      </p:cxnSp>
+      <mc:AlternateContent xmlns:mc="http://schemas.openxmlformats.org/markup-compatibility/2006" xmlns:a14="http://schemas.microsoft.com/office/drawing/2010/main">
+        <mc:Choice Requires="a14">
+          <p:sp>
+            <p:nvSpPr>
+              <p:cNvPr id="54" name="Rectangle 53"/>
+              <p:cNvSpPr/>
+              <p:nvPr/>
+            </p:nvSpPr>
+            <p:spPr>
+              <a:xfrm>
+                <a:off x="3131840" y="2564904"/>
+                <a:ext cx="720080" cy="1012874"/>
+              </a:xfrm>
+              <a:prstGeom prst="rect">
+                <a:avLst/>
+              </a:prstGeom>
+              <a:noFill/>
+            </p:spPr>
+            <p:style>
+              <a:lnRef idx="2">
+                <a:schemeClr val="accent1">
+                  <a:shade val="50000"/>
+                </a:schemeClr>
+              </a:lnRef>
+              <a:fillRef idx="1">
+                <a:schemeClr val="accent1"/>
+              </a:fillRef>
+              <a:effectRef idx="0">
+                <a:schemeClr val="accent1"/>
+              </a:effectRef>
+              <a:fontRef idx="minor">
+                <a:schemeClr val="lt1"/>
+              </a:fontRef>
+            </p:style>
+            <p:txBody>
+              <a:bodyPr rtlCol="0" anchor="ctr"/>
+              <a:lstStyle/>
+              <a:p>
+                <a:pPr algn="ctr"/>
+                <a14:m>
+                  <m:oMathPara xmlns:m="http://schemas.openxmlformats.org/officeDocument/2006/math">
+                    <m:oMathParaPr>
+                      <m:jc m:val="centerGroup"/>
+                    </m:oMathParaPr>
+                    <m:oMath xmlns:m="http://schemas.openxmlformats.org/officeDocument/2006/math">
+                      <m:r>
+                        <a:rPr lang="fr-FR" b="0" i="1" smtClean="0">
+                          <a:solidFill>
+                            <a:schemeClr val="tx1"/>
+                          </a:solidFill>
+                          <a:latin typeface="Cambria Math"/>
+                        </a:rPr>
+                        <m:t>𝑚</m:t>
+                      </m:r>
+                    </m:oMath>
+                  </m:oMathPara>
+                </a14:m>
+                <a:endParaRPr lang="fr-FR" dirty="0"/>
+              </a:p>
+            </p:txBody>
+          </p:sp>
+        </mc:Choice>
+        <mc:Fallback xmlns="">
+          <p:sp>
+            <p:nvSpPr>
+              <p:cNvPr id="54" name="Rectangle 53"/>
+              <p:cNvSpPr>
+                <a:spLocks noRot="1" noChangeAspect="1" noMove="1" noResize="1" noEditPoints="1" noAdjustHandles="1" noChangeArrowheads="1" noChangeShapeType="1" noTextEdit="1"/>
+              </p:cNvSpPr>
+              <p:nvPr/>
+            </p:nvSpPr>
+            <p:spPr>
+              <a:xfrm>
+                <a:off x="3131840" y="2564904"/>
+                <a:ext cx="720080" cy="1012874"/>
+              </a:xfrm>
+              <a:prstGeom prst="rect">
+                <a:avLst/>
+              </a:prstGeom>
+              <a:blipFill rotWithShape="1">
+                <a:blip r:embed="rId2"/>
+                <a:stretch>
+                  <a:fillRect/>
+                </a:stretch>
+              </a:blipFill>
+            </p:spPr>
+            <p:txBody>
+              <a:bodyPr/>
+              <a:lstStyle/>
+              <a:p>
+                <a:r>
+                  <a:rPr lang="fr-FR">
+                    <a:noFill/>
+                  </a:rPr>
+                  <a:t> </a:t>
+                </a:r>
+              </a:p>
+            </p:txBody>
+          </p:sp>
+        </mc:Fallback>
+      </mc:AlternateContent>
+      <mc:AlternateContent xmlns:mc="http://schemas.openxmlformats.org/markup-compatibility/2006" xmlns:a14="http://schemas.microsoft.com/office/drawing/2010/main">
+        <mc:Choice Requires="a14">
+          <p:sp>
+            <p:nvSpPr>
+              <p:cNvPr id="80" name="Rectangle 79"/>
+              <p:cNvSpPr/>
+              <p:nvPr/>
+            </p:nvSpPr>
+            <p:spPr>
+              <a:xfrm>
+                <a:off x="2213587" y="2192919"/>
+                <a:ext cx="370934" cy="369332"/>
+              </a:xfrm>
+              <a:prstGeom prst="rect">
+                <a:avLst/>
+              </a:prstGeom>
+            </p:spPr>
+            <p:txBody>
+              <a:bodyPr wrap="none">
+                <a:spAutoFit/>
+              </a:bodyPr>
+              <a:lstStyle/>
+              <a:p>
+                <a:pPr/>
+                <a14:m>
+                  <m:oMathPara xmlns:m="http://schemas.openxmlformats.org/officeDocument/2006/math">
+                    <m:oMathParaPr>
+                      <m:jc m:val="centerGroup"/>
+                    </m:oMathParaPr>
+                    <m:oMath xmlns:m="http://schemas.openxmlformats.org/officeDocument/2006/math">
+                      <m:r>
+                        <a:rPr lang="fr-FR" i="1" smtClean="0">
+                          <a:latin typeface="Cambria Math"/>
+                        </a:rPr>
+                        <m:t>𝑘</m:t>
+                      </m:r>
+                    </m:oMath>
+                  </m:oMathPara>
+                </a14:m>
+                <a:endParaRPr lang="fr-FR" dirty="0"/>
+              </a:p>
+            </p:txBody>
+          </p:sp>
+        </mc:Choice>
+        <mc:Fallback xmlns="">
+          <p:sp>
+            <p:nvSpPr>
+              <p:cNvPr id="80" name="Rectangle 79"/>
+              <p:cNvSpPr>
+                <a:spLocks noRot="1" noChangeAspect="1" noMove="1" noResize="1" noEditPoints="1" noAdjustHandles="1" noChangeArrowheads="1" noChangeShapeType="1" noTextEdit="1"/>
+              </p:cNvSpPr>
+              <p:nvPr/>
+            </p:nvSpPr>
+            <p:spPr>
+              <a:xfrm>
+                <a:off x="2213587" y="2192919"/>
+                <a:ext cx="370934" cy="369332"/>
+              </a:xfrm>
+              <a:prstGeom prst="rect">
+                <a:avLst/>
+              </a:prstGeom>
+              <a:blipFill rotWithShape="1">
+                <a:blip r:embed="rId4"/>
+                <a:stretch>
+                  <a:fillRect/>
+                </a:stretch>
+              </a:blipFill>
+            </p:spPr>
+            <p:txBody>
+              <a:bodyPr/>
+              <a:lstStyle/>
+              <a:p>
+                <a:r>
+                  <a:rPr lang="fr-FR">
+                    <a:noFill/>
+                  </a:rPr>
+                  <a:t> </a:t>
+                </a:r>
+              </a:p>
+            </p:txBody>
+          </p:sp>
+        </mc:Fallback>
+      </mc:AlternateContent>
+      <mc:AlternateContent xmlns:mc="http://schemas.openxmlformats.org/markup-compatibility/2006" xmlns:a14="http://schemas.microsoft.com/office/drawing/2010/main">
+        <mc:Choice Requires="a14">
+          <p:sp>
+            <p:nvSpPr>
+              <p:cNvPr id="81" name="Rectangle 80"/>
+              <p:cNvSpPr/>
+              <p:nvPr/>
+            </p:nvSpPr>
+            <p:spPr>
+              <a:xfrm>
+                <a:off x="2169195" y="3577778"/>
+                <a:ext cx="350673" cy="369332"/>
+              </a:xfrm>
+              <a:prstGeom prst="rect">
+                <a:avLst/>
+              </a:prstGeom>
+            </p:spPr>
+            <p:txBody>
+              <a:bodyPr wrap="none">
+                <a:spAutoFit/>
+              </a:bodyPr>
+              <a:lstStyle/>
+              <a:p>
+                <a:pPr/>
+                <a14:m>
+                  <m:oMathPara xmlns:m="http://schemas.openxmlformats.org/officeDocument/2006/math">
+                    <m:oMathParaPr>
+                      <m:jc m:val="centerGroup"/>
+                    </m:oMathParaPr>
+                    <m:oMath xmlns:m="http://schemas.openxmlformats.org/officeDocument/2006/math">
+                      <m:r>
+                        <a:rPr lang="fr-FR" b="0" i="1" smtClean="0">
+                          <a:latin typeface="Cambria Math"/>
+                        </a:rPr>
+                        <m:t>𝑐</m:t>
+                      </m:r>
+                    </m:oMath>
+                  </m:oMathPara>
+                </a14:m>
+                <a:endParaRPr lang="fr-FR" dirty="0"/>
+              </a:p>
+            </p:txBody>
+          </p:sp>
+        </mc:Choice>
+        <mc:Fallback xmlns="">
+          <p:sp>
+            <p:nvSpPr>
+              <p:cNvPr id="81" name="Rectangle 80"/>
+              <p:cNvSpPr>
+                <a:spLocks noRot="1" noChangeAspect="1" noMove="1" noResize="1" noEditPoints="1" noAdjustHandles="1" noChangeArrowheads="1" noChangeShapeType="1" noTextEdit="1"/>
+              </p:cNvSpPr>
+              <p:nvPr/>
+            </p:nvSpPr>
+            <p:spPr>
+              <a:xfrm>
+                <a:off x="2169195" y="3577778"/>
+                <a:ext cx="350673" cy="369332"/>
+              </a:xfrm>
+              <a:prstGeom prst="rect">
+                <a:avLst/>
+              </a:prstGeom>
+              <a:blipFill rotWithShape="1">
+                <a:blip r:embed="rId5"/>
+                <a:stretch>
+                  <a:fillRect/>
+                </a:stretch>
+              </a:blipFill>
+            </p:spPr>
+            <p:txBody>
+              <a:bodyPr/>
+              <a:lstStyle/>
+              <a:p>
+                <a:r>
+                  <a:rPr lang="fr-FR">
+                    <a:noFill/>
+                  </a:rPr>
+                  <a:t> </a:t>
+                </a:r>
+              </a:p>
+            </p:txBody>
+          </p:sp>
+        </mc:Fallback>
+      </mc:AlternateContent>
+      <p:cxnSp>
+        <p:nvCxnSpPr>
+          <p:cNvPr id="84" name="Connecteur droit 83"/>
+          <p:cNvCxnSpPr/>
+          <p:nvPr/>
+        </p:nvCxnSpPr>
+        <p:spPr>
+          <a:xfrm>
+            <a:off x="3491880" y="2213136"/>
+            <a:ext cx="360040" cy="0"/>
+          </a:xfrm>
+          <a:prstGeom prst="line">
+            <a:avLst/>
+          </a:prstGeom>
+          <a:ln w="19050">
+            <a:solidFill>
+              <a:schemeClr val="tx2"/>
+            </a:solidFill>
+            <a:tailEnd type="stealth" w="med" len="lg"/>
+          </a:ln>
+        </p:spPr>
+        <p:style>
+          <a:lnRef idx="1">
+            <a:schemeClr val="accent1"/>
+          </a:lnRef>
+          <a:fillRef idx="0">
+            <a:schemeClr val="accent1"/>
+          </a:fillRef>
+          <a:effectRef idx="0">
+            <a:schemeClr val="accent1"/>
+          </a:effectRef>
+          <a:fontRef idx="minor">
+            <a:schemeClr val="tx1"/>
+          </a:fontRef>
+        </p:style>
+      </p:cxnSp>
+      <p:cxnSp>
+        <p:nvCxnSpPr>
+          <p:cNvPr id="85" name="Connecteur droit 84"/>
+          <p:cNvCxnSpPr>
+            <a:stCxn id="54" idx="0"/>
+          </p:cNvCxnSpPr>
+          <p:nvPr/>
+        </p:nvCxnSpPr>
+        <p:spPr>
+          <a:xfrm flipV="1">
+            <a:off x="3491880" y="2168860"/>
+            <a:ext cx="0" cy="396044"/>
+          </a:xfrm>
+          <a:prstGeom prst="line">
+            <a:avLst/>
+          </a:prstGeom>
+          <a:ln w="19050">
+            <a:solidFill>
+              <a:schemeClr val="tx2"/>
+            </a:solidFill>
+            <a:tailEnd type="none" w="med" len="lg"/>
+          </a:ln>
+        </p:spPr>
+        <p:style>
+          <a:lnRef idx="1">
+            <a:schemeClr val="accent1"/>
+          </a:lnRef>
+          <a:fillRef idx="0">
+            <a:schemeClr val="accent1"/>
+          </a:fillRef>
+          <a:effectRef idx="0">
+            <a:schemeClr val="accent1"/>
+          </a:effectRef>
+          <a:fontRef idx="minor">
+            <a:schemeClr val="tx1"/>
+          </a:fontRef>
+        </p:style>
+      </p:cxnSp>
+      <mc:AlternateContent xmlns:mc="http://schemas.openxmlformats.org/markup-compatibility/2006">
+        <mc:Choice xmlns:a14="http://schemas.microsoft.com/office/drawing/2010/main" Requires="a14">
+          <p:sp>
+            <p:nvSpPr>
+              <p:cNvPr id="89" name="Rectangle 88"/>
+              <p:cNvSpPr/>
+              <p:nvPr/>
+            </p:nvSpPr>
+            <p:spPr>
+              <a:xfrm>
+                <a:off x="3436130" y="1799528"/>
+                <a:ext cx="665823" cy="369332"/>
+              </a:xfrm>
+              <a:prstGeom prst="rect">
+                <a:avLst/>
+              </a:prstGeom>
+            </p:spPr>
+            <p:txBody>
+              <a:bodyPr wrap="none">
+                <a:spAutoFit/>
+              </a:bodyPr>
+              <a:lstStyle/>
+              <a:p>
+                <a:pPr/>
+                <a14:m>
+                  <m:oMathPara xmlns:m="http://schemas.openxmlformats.org/officeDocument/2006/math">
+                    <m:oMathParaPr>
+                      <m:jc m:val="centerGroup"/>
+                    </m:oMathParaPr>
+                    <m:oMath xmlns:m="http://schemas.openxmlformats.org/officeDocument/2006/math">
+                      <m:r>
+                        <a:rPr lang="fr-FR" b="0" i="1" smtClean="0">
+                          <a:latin typeface="Cambria Math"/>
+                        </a:rPr>
+                        <m:t>𝑢</m:t>
+                      </m:r>
+                      <m:r>
+                        <a:rPr lang="fr-FR" b="0" i="1" smtClean="0">
+                          <a:latin typeface="Cambria Math"/>
+                        </a:rPr>
+                        <m:t>(</m:t>
+                      </m:r>
+                      <m:r>
+                        <a:rPr lang="fr-FR" b="0" i="1" smtClean="0">
+                          <a:latin typeface="Cambria Math"/>
+                        </a:rPr>
+                        <m:t>𝑡</m:t>
+                      </m:r>
+                      <m:r>
+                        <a:rPr lang="fr-FR" b="0" i="1" smtClean="0">
+                          <a:latin typeface="Cambria Math"/>
+                        </a:rPr>
+                        <m:t>)</m:t>
+                      </m:r>
+                    </m:oMath>
+                  </m:oMathPara>
+                </a14:m>
+                <a:endParaRPr lang="fr-FR" dirty="0"/>
+              </a:p>
+            </p:txBody>
+          </p:sp>
+        </mc:Choice>
+        <mc:Fallback>
+          <p:sp>
+            <p:nvSpPr>
+              <p:cNvPr id="89" name="Rectangle 88"/>
+              <p:cNvSpPr>
+                <a:spLocks noRot="1" noChangeAspect="1" noMove="1" noResize="1" noEditPoints="1" noAdjustHandles="1" noChangeArrowheads="1" noChangeShapeType="1" noTextEdit="1"/>
+              </p:cNvSpPr>
+              <p:nvPr/>
+            </p:nvSpPr>
+            <p:spPr>
+              <a:xfrm>
+                <a:off x="3436130" y="1799528"/>
+                <a:ext cx="665823" cy="369332"/>
+              </a:xfrm>
+              <a:prstGeom prst="rect">
+                <a:avLst/>
+              </a:prstGeom>
+              <a:blipFill rotWithShape="1">
+                <a:blip r:embed="rId6"/>
+                <a:stretch>
+                  <a:fillRect b="-11475"/>
+                </a:stretch>
+              </a:blipFill>
+            </p:spPr>
+            <p:txBody>
+              <a:bodyPr/>
+              <a:lstStyle/>
+              <a:p>
+                <a:r>
+                  <a:rPr lang="fr-FR">
+                    <a:noFill/>
+                  </a:rPr>
+                  <a:t> </a:t>
+                </a:r>
+              </a:p>
+            </p:txBody>
+          </p:sp>
+        </mc:Fallback>
+      </mc:AlternateContent>
+    </p:spTree>
+    <p:extLst>
+      <p:ext uri="{BB962C8B-B14F-4D97-AF65-F5344CB8AC3E}">
+        <p14:creationId xmlns:p14="http://schemas.microsoft.com/office/powerpoint/2010/main" val="714160292"/>
+      </p:ext>
+    </p:extLst>
+  </p:cSld>
+  <p:clrMapOvr>
+    <a:masterClrMapping/>
+  </p:clrMapOvr>
+</p:sld>
+</file>
+
 <file path=ppt/theme/theme1.xml><?xml version="1.0" encoding="utf-8"?>
 <a:theme xmlns:a="http://schemas.openxmlformats.org/drawingml/2006/main" name="Thème Office">
   <a:themeElements>
